--- a/doc/material/slides/session_3/LogiGear - SpringBoot - Spring Data.pptx
+++ b/doc/material/slides/session_3/LogiGear - SpringBoot - Spring Data.pptx
@@ -5,14 +5,14 @@
     <p:sldMasterId id="2147483708" r:id="rId1"/>
   </p:sldMasterIdLst>
   <p:notesMasterIdLst>
-    <p:notesMasterId r:id="rId16"/>
+    <p:notesMasterId r:id="rId21"/>
   </p:notesMasterIdLst>
   <p:handoutMasterIdLst>
-    <p:handoutMasterId r:id="rId17"/>
+    <p:handoutMasterId r:id="rId22"/>
   </p:handoutMasterIdLst>
   <p:sldIdLst>
     <p:sldId id="256" r:id="rId2"/>
-    <p:sldId id="293" r:id="rId3"/>
+    <p:sldId id="316" r:id="rId3"/>
     <p:sldId id="294" r:id="rId4"/>
     <p:sldId id="307" r:id="rId5"/>
     <p:sldId id="295" r:id="rId6"/>
@@ -24,7 +24,12 @@
     <p:sldId id="313" r:id="rId12"/>
     <p:sldId id="314" r:id="rId13"/>
     <p:sldId id="315" r:id="rId14"/>
-    <p:sldId id="271" r:id="rId15"/>
+    <p:sldId id="317" r:id="rId15"/>
+    <p:sldId id="318" r:id="rId16"/>
+    <p:sldId id="319" r:id="rId17"/>
+    <p:sldId id="320" r:id="rId18"/>
+    <p:sldId id="321" r:id="rId19"/>
+    <p:sldId id="271" r:id="rId20"/>
   </p:sldIdLst>
   <p:sldSz cx="12192000" cy="6858000"/>
   <p:notesSz cx="6858000" cy="9144000"/>
@@ -239,7 +244,7 @@
           <a:p>
             <a:fld id="{9BADE926-BA31-43BD-881D-1ECCA6A4FE3B}" type="datetimeFigureOut">
               <a:rPr lang="en-US" smtClean="0"/>
-              <a:t>5/14/2021</a:t>
+              <a:t>5/19/2021</a:t>
             </a:fld>
             <a:endParaRPr lang="en-US"/>
           </a:p>
@@ -404,7 +409,7 @@
           <a:p>
             <a:fld id="{7DBC1745-093B-4D3D-9A89-9CD99C9E4F7D}" type="datetimeFigureOut">
               <a:rPr lang="en-US" smtClean="0"/>
-              <a:t>5/14/2021</a:t>
+              <a:t>5/19/2021</a:t>
             </a:fld>
             <a:endParaRPr lang="en-US"/>
           </a:p>
@@ -13214,7 +13219,7 @@
           <a:p>
             <a:fld id="{AF88043E-905E-4148-B009-B3CB700EBBEA}" type="datetimeFigureOut">
               <a:rPr lang="en-US" smtClean="0"/>
-              <a:t>5/14/2021</a:t>
+              <a:t>5/19/2021</a:t>
             </a:fld>
             <a:endParaRPr lang="en-US"/>
           </a:p>
@@ -13600,7 +13605,7 @@
           <a:p>
             <a:fld id="{AF88043E-905E-4148-B009-B3CB700EBBEA}" type="datetimeFigureOut">
               <a:rPr lang="en-US" smtClean="0"/>
-              <a:t>5/14/2021</a:t>
+              <a:t>5/19/2021</a:t>
             </a:fld>
             <a:endParaRPr lang="en-US"/>
           </a:p>
@@ -13749,7 +13754,7 @@
           <a:p>
             <a:fld id="{AF88043E-905E-4148-B009-B3CB700EBBEA}" type="datetimeFigureOut">
               <a:rPr lang="en-US" smtClean="0"/>
-              <a:t>5/14/2021</a:t>
+              <a:t>5/19/2021</a:t>
             </a:fld>
             <a:endParaRPr lang="en-US"/>
           </a:p>
@@ -14390,7 +14395,7 @@
           <a:p>
             <a:fld id="{AF88043E-905E-4148-B009-B3CB700EBBEA}" type="datetimeFigureOut">
               <a:rPr lang="en-US" smtClean="0"/>
-              <a:t>5/14/2021</a:t>
+              <a:t>5/19/2021</a:t>
             </a:fld>
             <a:endParaRPr lang="en-US"/>
           </a:p>
@@ -15241,7 +15246,7 @@
           <a:p>
             <a:fld id="{AF88043E-905E-4148-B009-B3CB700EBBEA}" type="datetimeFigureOut">
               <a:rPr lang="en-US" smtClean="0"/>
-              <a:t>5/14/2021</a:t>
+              <a:t>5/19/2021</a:t>
             </a:fld>
             <a:endParaRPr lang="en-US"/>
           </a:p>
@@ -15420,7 +15425,7 @@
           <a:p>
             <a:fld id="{AF88043E-905E-4148-B009-B3CB700EBBEA}" type="datetimeFigureOut">
               <a:rPr lang="en-US" smtClean="0"/>
-              <a:t>5/14/2021</a:t>
+              <a:t>5/19/2021</a:t>
             </a:fld>
             <a:endParaRPr lang="en-US"/>
           </a:p>
@@ -19045,6 +19050,3882 @@
           <a:chExt cx="0" cy="0"/>
         </a:xfrm>
       </p:grpSpPr>
+      <p:sp>
+        <p:nvSpPr>
+          <p:cNvPr id="2" name="Title 1"/>
+          <p:cNvSpPr>
+            <a:spLocks noGrp="1"/>
+          </p:cNvSpPr>
+          <p:nvPr>
+            <p:ph type="title"/>
+          </p:nvPr>
+        </p:nvSpPr>
+        <p:spPr/>
+        <p:txBody>
+          <a:bodyPr/>
+          <a:lstStyle/>
+          <a:p>
+            <a:r>
+              <a:rPr lang="en-US" dirty="0" smtClean="0">
+                <a:ea typeface="Roboto" panose="02000000000000000000" pitchFamily="2" charset="0"/>
+              </a:rPr>
+              <a:t>3.</a:t>
+            </a:r>
+            <a:r>
+              <a:rPr lang="en-US" dirty="0">
+                <a:ea typeface="Roboto" panose="02000000000000000000" pitchFamily="2" charset="0"/>
+              </a:rPr>
+              <a:t>	</a:t>
+            </a:r>
+            <a:r>
+              <a:rPr lang="en-US" dirty="0" smtClean="0">
+                <a:ea typeface="Roboto" panose="02000000000000000000" pitchFamily="2" charset="0"/>
+              </a:rPr>
+              <a:t>Spring Repositories</a:t>
+            </a:r>
+            <a:endParaRPr lang="en-US" dirty="0">
+              <a:ea typeface="Roboto" panose="02000000000000000000" pitchFamily="2" charset="0"/>
+            </a:endParaRPr>
+          </a:p>
+        </p:txBody>
+      </p:sp>
+      <p:sp>
+        <p:nvSpPr>
+          <p:cNvPr id="4" name="Title 1"/>
+          <p:cNvSpPr txBox="1">
+            <a:spLocks/>
+          </p:cNvSpPr>
+          <p:nvPr/>
+        </p:nvSpPr>
+        <p:spPr bwMode="gray">
+          <a:xfrm>
+            <a:off x="1380639" y="1452033"/>
+            <a:ext cx="5477361" cy="318345"/>
+          </a:xfrm>
+          <a:prstGeom prst="rect">
+            <a:avLst/>
+          </a:prstGeom>
+        </p:spPr>
+        <p:txBody>
+          <a:bodyPr vert="horz" lIns="91440" tIns="45720" rIns="91440" bIns="45720" rtlCol="0" anchor="ctr">
+            <a:noAutofit/>
+          </a:bodyPr>
+          <a:lstStyle>
+            <a:lvl1pPr algn="l" defTabSz="457200" rtl="0" eaLnBrk="1" latinLnBrk="0" hangingPunct="1">
+              <a:spcBef>
+                <a:spcPct val="0"/>
+              </a:spcBef>
+              <a:buNone/>
+              <a:defRPr sz="3600" b="1" i="0" kern="1200">
+                <a:solidFill>
+                  <a:srgbClr val="164D90"/>
+                </a:solidFill>
+                <a:latin typeface="+mj-lt"/>
+                <a:ea typeface="+mj-ea"/>
+                <a:cs typeface="+mj-cs"/>
+              </a:defRPr>
+            </a:lvl1pPr>
+            <a:lvl2pPr eaLnBrk="1" hangingPunct="1">
+              <a:defRPr>
+                <a:solidFill>
+                  <a:schemeClr val="tx2"/>
+                </a:solidFill>
+              </a:defRPr>
+            </a:lvl2pPr>
+            <a:lvl3pPr eaLnBrk="1" hangingPunct="1">
+              <a:defRPr>
+                <a:solidFill>
+                  <a:schemeClr val="tx2"/>
+                </a:solidFill>
+              </a:defRPr>
+            </a:lvl3pPr>
+            <a:lvl4pPr eaLnBrk="1" hangingPunct="1">
+              <a:defRPr>
+                <a:solidFill>
+                  <a:schemeClr val="tx2"/>
+                </a:solidFill>
+              </a:defRPr>
+            </a:lvl4pPr>
+            <a:lvl5pPr eaLnBrk="1" hangingPunct="1">
+              <a:defRPr>
+                <a:solidFill>
+                  <a:schemeClr val="tx2"/>
+                </a:solidFill>
+              </a:defRPr>
+            </a:lvl5pPr>
+            <a:lvl6pPr eaLnBrk="1" hangingPunct="1">
+              <a:defRPr>
+                <a:solidFill>
+                  <a:schemeClr val="tx2"/>
+                </a:solidFill>
+              </a:defRPr>
+            </a:lvl6pPr>
+            <a:lvl7pPr eaLnBrk="1" hangingPunct="1">
+              <a:defRPr>
+                <a:solidFill>
+                  <a:schemeClr val="tx2"/>
+                </a:solidFill>
+              </a:defRPr>
+            </a:lvl7pPr>
+            <a:lvl8pPr eaLnBrk="1" hangingPunct="1">
+              <a:defRPr>
+                <a:solidFill>
+                  <a:schemeClr val="tx2"/>
+                </a:solidFill>
+              </a:defRPr>
+            </a:lvl8pPr>
+            <a:lvl9pPr eaLnBrk="1" hangingPunct="1">
+              <a:defRPr>
+                <a:solidFill>
+                  <a:schemeClr val="tx2"/>
+                </a:solidFill>
+              </a:defRPr>
+            </a:lvl9pPr>
+          </a:lstStyle>
+          <a:p>
+            <a:r>
+              <a:rPr lang="en-US" sz="2800" b="0" dirty="0" smtClean="0">
+                <a:ea typeface="Roboto" panose="02000000000000000000" pitchFamily="2" charset="0"/>
+              </a:rPr>
+              <a:t>3.1 </a:t>
+            </a:r>
+            <a:r>
+              <a:rPr lang="en-US" sz="2800" b="0" dirty="0" err="1" smtClean="0">
+                <a:ea typeface="Roboto" panose="02000000000000000000" pitchFamily="2" charset="0"/>
+              </a:rPr>
+              <a:t>CrudRepository</a:t>
+            </a:r>
+            <a:endParaRPr lang="en-US" sz="2800" b="0" dirty="0">
+              <a:ea typeface="Roboto" panose="02000000000000000000" pitchFamily="2" charset="0"/>
+            </a:endParaRPr>
+          </a:p>
+        </p:txBody>
+      </p:sp>
+      <p:sp>
+        <p:nvSpPr>
+          <p:cNvPr id="14" name="Title 1"/>
+          <p:cNvSpPr txBox="1">
+            <a:spLocks/>
+          </p:cNvSpPr>
+          <p:nvPr/>
+        </p:nvSpPr>
+        <p:spPr bwMode="gray">
+          <a:xfrm>
+            <a:off x="1720291" y="1693629"/>
+            <a:ext cx="9626451" cy="912706"/>
+          </a:xfrm>
+          <a:prstGeom prst="rect">
+            <a:avLst/>
+          </a:prstGeom>
+        </p:spPr>
+        <p:txBody>
+          <a:bodyPr vert="horz" lIns="91440" tIns="45720" rIns="91440" bIns="45720" rtlCol="0" anchor="ctr">
+            <a:noAutofit/>
+          </a:bodyPr>
+          <a:lstStyle>
+            <a:lvl1pPr algn="l" defTabSz="457200" rtl="0" eaLnBrk="1" latinLnBrk="0" hangingPunct="1">
+              <a:spcBef>
+                <a:spcPct val="0"/>
+              </a:spcBef>
+              <a:buNone/>
+              <a:defRPr sz="3600" b="1" i="0" kern="1200">
+                <a:solidFill>
+                  <a:srgbClr val="164D90"/>
+                </a:solidFill>
+                <a:latin typeface="+mj-lt"/>
+                <a:ea typeface="+mj-ea"/>
+                <a:cs typeface="+mj-cs"/>
+              </a:defRPr>
+            </a:lvl1pPr>
+            <a:lvl2pPr eaLnBrk="1" hangingPunct="1">
+              <a:defRPr>
+                <a:solidFill>
+                  <a:schemeClr val="tx2"/>
+                </a:solidFill>
+              </a:defRPr>
+            </a:lvl2pPr>
+            <a:lvl3pPr eaLnBrk="1" hangingPunct="1">
+              <a:defRPr>
+                <a:solidFill>
+                  <a:schemeClr val="tx2"/>
+                </a:solidFill>
+              </a:defRPr>
+            </a:lvl3pPr>
+            <a:lvl4pPr eaLnBrk="1" hangingPunct="1">
+              <a:defRPr>
+                <a:solidFill>
+                  <a:schemeClr val="tx2"/>
+                </a:solidFill>
+              </a:defRPr>
+            </a:lvl4pPr>
+            <a:lvl5pPr eaLnBrk="1" hangingPunct="1">
+              <a:defRPr>
+                <a:solidFill>
+                  <a:schemeClr val="tx2"/>
+                </a:solidFill>
+              </a:defRPr>
+            </a:lvl5pPr>
+            <a:lvl6pPr eaLnBrk="1" hangingPunct="1">
+              <a:defRPr>
+                <a:solidFill>
+                  <a:schemeClr val="tx2"/>
+                </a:solidFill>
+              </a:defRPr>
+            </a:lvl6pPr>
+            <a:lvl7pPr eaLnBrk="1" hangingPunct="1">
+              <a:defRPr>
+                <a:solidFill>
+                  <a:schemeClr val="tx2"/>
+                </a:solidFill>
+              </a:defRPr>
+            </a:lvl7pPr>
+            <a:lvl8pPr eaLnBrk="1" hangingPunct="1">
+              <a:defRPr>
+                <a:solidFill>
+                  <a:schemeClr val="tx2"/>
+                </a:solidFill>
+              </a:defRPr>
+            </a:lvl8pPr>
+            <a:lvl9pPr eaLnBrk="1" hangingPunct="1">
+              <a:defRPr>
+                <a:solidFill>
+                  <a:schemeClr val="tx2"/>
+                </a:solidFill>
+              </a:defRPr>
+            </a:lvl9pPr>
+          </a:lstStyle>
+          <a:p>
+            <a:pPr marL="457200" indent="-457200">
+              <a:buClr>
+                <a:srgbClr val="92D050"/>
+              </a:buClr>
+              <a:buFont typeface="Wingdings" panose="05000000000000000000" pitchFamily="2" charset="2"/>
+              <a:buChar char="Ø"/>
+            </a:pPr>
+            <a:r>
+              <a:rPr lang="en-US" sz="1700" dirty="0" err="1" smtClean="0">
+                <a:ea typeface="Roboto" panose="02000000000000000000" pitchFamily="2" charset="0"/>
+              </a:rPr>
+              <a:t>CrudRepository</a:t>
+            </a:r>
+            <a:r>
+              <a:rPr lang="en-US" sz="1700" b="0" dirty="0" smtClean="0">
+                <a:ea typeface="Roboto" panose="02000000000000000000" pitchFamily="2" charset="0"/>
+              </a:rPr>
+              <a:t> provides sophisticated CRUD functionality for the entity class that is being managed</a:t>
+            </a:r>
+            <a:endParaRPr lang="en-US" sz="1700" b="0" dirty="0">
+              <a:ea typeface="Roboto" panose="02000000000000000000" pitchFamily="2" charset="0"/>
+            </a:endParaRPr>
+          </a:p>
+        </p:txBody>
+      </p:sp>
+      <p:pic>
+        <p:nvPicPr>
+          <p:cNvPr id="5" name="Picture 4"/>
+          <p:cNvPicPr>
+            <a:picLocks noChangeAspect="1"/>
+          </p:cNvPicPr>
+          <p:nvPr/>
+        </p:nvPicPr>
+        <p:blipFill>
+          <a:blip r:embed="rId2"/>
+          <a:stretch>
+            <a:fillRect/>
+          </a:stretch>
+        </p:blipFill>
+        <p:spPr>
+          <a:xfrm>
+            <a:off x="1720291" y="2386749"/>
+            <a:ext cx="5137709" cy="3192719"/>
+          </a:xfrm>
+          <a:prstGeom prst="rect">
+            <a:avLst/>
+          </a:prstGeom>
+        </p:spPr>
+      </p:pic>
+      <p:sp>
+        <p:nvSpPr>
+          <p:cNvPr id="6" name="Rectangle 5"/>
+          <p:cNvSpPr/>
+          <p:nvPr/>
+        </p:nvSpPr>
+        <p:spPr>
+          <a:xfrm>
+            <a:off x="2160270" y="3006090"/>
+            <a:ext cx="2560320" cy="262890"/>
+          </a:xfrm>
+          <a:prstGeom prst="rect">
+            <a:avLst/>
+          </a:prstGeom>
+          <a:noFill/>
+          <a:ln>
+            <a:solidFill>
+              <a:srgbClr val="FF0000"/>
+            </a:solidFill>
+          </a:ln>
+        </p:spPr>
+        <p:style>
+          <a:lnRef idx="2">
+            <a:schemeClr val="accent1">
+              <a:shade val="50000"/>
+            </a:schemeClr>
+          </a:lnRef>
+          <a:fillRef idx="1">
+            <a:schemeClr val="accent1"/>
+          </a:fillRef>
+          <a:effectRef idx="0">
+            <a:schemeClr val="accent1"/>
+          </a:effectRef>
+          <a:fontRef idx="minor">
+            <a:schemeClr val="lt1"/>
+          </a:fontRef>
+        </p:style>
+        <p:txBody>
+          <a:bodyPr rtlCol="0" anchor="ctr"/>
+          <a:lstStyle/>
+          <a:p>
+            <a:pPr algn="ctr"/>
+            <a:endParaRPr lang="en-US"/>
+          </a:p>
+        </p:txBody>
+      </p:sp>
+      <p:sp>
+        <p:nvSpPr>
+          <p:cNvPr id="16" name="Rectangle 15"/>
+          <p:cNvSpPr/>
+          <p:nvPr/>
+        </p:nvSpPr>
+        <p:spPr>
+          <a:xfrm>
+            <a:off x="2160270" y="3329268"/>
+            <a:ext cx="2045970" cy="282612"/>
+          </a:xfrm>
+          <a:prstGeom prst="rect">
+            <a:avLst/>
+          </a:prstGeom>
+          <a:noFill/>
+          <a:ln>
+            <a:solidFill>
+              <a:srgbClr val="FF0000"/>
+            </a:solidFill>
+          </a:ln>
+        </p:spPr>
+        <p:style>
+          <a:lnRef idx="2">
+            <a:schemeClr val="accent1">
+              <a:shade val="50000"/>
+            </a:schemeClr>
+          </a:lnRef>
+          <a:fillRef idx="1">
+            <a:schemeClr val="accent1"/>
+          </a:fillRef>
+          <a:effectRef idx="0">
+            <a:schemeClr val="accent1"/>
+          </a:effectRef>
+          <a:fontRef idx="minor">
+            <a:schemeClr val="lt1"/>
+          </a:fontRef>
+        </p:style>
+        <p:txBody>
+          <a:bodyPr rtlCol="0" anchor="ctr"/>
+          <a:lstStyle/>
+          <a:p>
+            <a:pPr algn="ctr"/>
+            <a:endParaRPr lang="en-US"/>
+          </a:p>
+        </p:txBody>
+      </p:sp>
+      <p:sp>
+        <p:nvSpPr>
+          <p:cNvPr id="17" name="Rectangle 16"/>
+          <p:cNvSpPr/>
+          <p:nvPr/>
+        </p:nvSpPr>
+        <p:spPr>
+          <a:xfrm>
+            <a:off x="2160270" y="3672168"/>
+            <a:ext cx="1828800" cy="294042"/>
+          </a:xfrm>
+          <a:prstGeom prst="rect">
+            <a:avLst/>
+          </a:prstGeom>
+          <a:noFill/>
+          <a:ln>
+            <a:solidFill>
+              <a:srgbClr val="FF0000"/>
+            </a:solidFill>
+          </a:ln>
+        </p:spPr>
+        <p:style>
+          <a:lnRef idx="2">
+            <a:schemeClr val="accent1">
+              <a:shade val="50000"/>
+            </a:schemeClr>
+          </a:lnRef>
+          <a:fillRef idx="1">
+            <a:schemeClr val="accent1"/>
+          </a:fillRef>
+          <a:effectRef idx="0">
+            <a:schemeClr val="accent1"/>
+          </a:effectRef>
+          <a:fontRef idx="minor">
+            <a:schemeClr val="lt1"/>
+          </a:fontRef>
+        </p:style>
+        <p:txBody>
+          <a:bodyPr rtlCol="0" anchor="ctr"/>
+          <a:lstStyle/>
+          <a:p>
+            <a:pPr algn="ctr"/>
+            <a:endParaRPr lang="en-US"/>
+          </a:p>
+        </p:txBody>
+      </p:sp>
+      <p:sp>
+        <p:nvSpPr>
+          <p:cNvPr id="20" name="Rectangle 19"/>
+          <p:cNvSpPr/>
+          <p:nvPr/>
+        </p:nvSpPr>
+        <p:spPr>
+          <a:xfrm>
+            <a:off x="2160270" y="4026498"/>
+            <a:ext cx="1120140" cy="294042"/>
+          </a:xfrm>
+          <a:prstGeom prst="rect">
+            <a:avLst/>
+          </a:prstGeom>
+          <a:noFill/>
+          <a:ln>
+            <a:solidFill>
+              <a:srgbClr val="FF0000"/>
+            </a:solidFill>
+          </a:ln>
+        </p:spPr>
+        <p:style>
+          <a:lnRef idx="2">
+            <a:schemeClr val="accent1">
+              <a:shade val="50000"/>
+            </a:schemeClr>
+          </a:lnRef>
+          <a:fillRef idx="1">
+            <a:schemeClr val="accent1"/>
+          </a:fillRef>
+          <a:effectRef idx="0">
+            <a:schemeClr val="accent1"/>
+          </a:effectRef>
+          <a:fontRef idx="minor">
+            <a:schemeClr val="lt1"/>
+          </a:fontRef>
+        </p:style>
+        <p:txBody>
+          <a:bodyPr rtlCol="0" anchor="ctr"/>
+          <a:lstStyle/>
+          <a:p>
+            <a:pPr algn="ctr"/>
+            <a:endParaRPr lang="en-US"/>
+          </a:p>
+        </p:txBody>
+      </p:sp>
+      <p:sp>
+        <p:nvSpPr>
+          <p:cNvPr id="21" name="Rectangle 20"/>
+          <p:cNvSpPr/>
+          <p:nvPr/>
+        </p:nvSpPr>
+        <p:spPr>
+          <a:xfrm>
+            <a:off x="2160270" y="4380828"/>
+            <a:ext cx="1828800" cy="201753"/>
+          </a:xfrm>
+          <a:prstGeom prst="rect">
+            <a:avLst/>
+          </a:prstGeom>
+          <a:noFill/>
+          <a:ln>
+            <a:solidFill>
+              <a:srgbClr val="FF0000"/>
+            </a:solidFill>
+          </a:ln>
+        </p:spPr>
+        <p:style>
+          <a:lnRef idx="2">
+            <a:schemeClr val="accent1">
+              <a:shade val="50000"/>
+            </a:schemeClr>
+          </a:lnRef>
+          <a:fillRef idx="1">
+            <a:schemeClr val="accent1"/>
+          </a:fillRef>
+          <a:effectRef idx="0">
+            <a:schemeClr val="accent1"/>
+          </a:effectRef>
+          <a:fontRef idx="minor">
+            <a:schemeClr val="lt1"/>
+          </a:fontRef>
+        </p:style>
+        <p:txBody>
+          <a:bodyPr rtlCol="0" anchor="ctr"/>
+          <a:lstStyle/>
+          <a:p>
+            <a:pPr algn="ctr"/>
+            <a:endParaRPr lang="en-US"/>
+          </a:p>
+        </p:txBody>
+      </p:sp>
+      <p:sp>
+        <p:nvSpPr>
+          <p:cNvPr id="22" name="Rectangle 21"/>
+          <p:cNvSpPr/>
+          <p:nvPr/>
+        </p:nvSpPr>
+        <p:spPr>
+          <a:xfrm>
+            <a:off x="2160270" y="4717258"/>
+            <a:ext cx="2446020" cy="219653"/>
+          </a:xfrm>
+          <a:prstGeom prst="rect">
+            <a:avLst/>
+          </a:prstGeom>
+          <a:noFill/>
+          <a:ln>
+            <a:solidFill>
+              <a:srgbClr val="FF0000"/>
+            </a:solidFill>
+          </a:ln>
+        </p:spPr>
+        <p:style>
+          <a:lnRef idx="2">
+            <a:schemeClr val="accent1">
+              <a:shade val="50000"/>
+            </a:schemeClr>
+          </a:lnRef>
+          <a:fillRef idx="1">
+            <a:schemeClr val="accent1"/>
+          </a:fillRef>
+          <a:effectRef idx="0">
+            <a:schemeClr val="accent1"/>
+          </a:effectRef>
+          <a:fontRef idx="minor">
+            <a:schemeClr val="lt1"/>
+          </a:fontRef>
+        </p:style>
+        <p:txBody>
+          <a:bodyPr rtlCol="0" anchor="ctr"/>
+          <a:lstStyle/>
+          <a:p>
+            <a:pPr algn="ctr"/>
+            <a:endParaRPr lang="en-US"/>
+          </a:p>
+        </p:txBody>
+      </p:sp>
+      <p:sp>
+        <p:nvSpPr>
+          <p:cNvPr id="8" name="Rectangle 7"/>
+          <p:cNvSpPr/>
+          <p:nvPr/>
+        </p:nvSpPr>
+        <p:spPr>
+          <a:xfrm>
+            <a:off x="7372350" y="2769231"/>
+            <a:ext cx="3909060" cy="320040"/>
+          </a:xfrm>
+          <a:prstGeom prst="rect">
+            <a:avLst/>
+          </a:prstGeom>
+        </p:spPr>
+        <p:style>
+          <a:lnRef idx="2">
+            <a:schemeClr val="accent1">
+              <a:shade val="50000"/>
+            </a:schemeClr>
+          </a:lnRef>
+          <a:fillRef idx="1">
+            <a:schemeClr val="accent1"/>
+          </a:fillRef>
+          <a:effectRef idx="0">
+            <a:schemeClr val="accent1"/>
+          </a:effectRef>
+          <a:fontRef idx="minor">
+            <a:schemeClr val="lt1"/>
+          </a:fontRef>
+        </p:style>
+        <p:txBody>
+          <a:bodyPr rtlCol="0" anchor="ctr"/>
+          <a:lstStyle/>
+          <a:p>
+            <a:pPr algn="ctr"/>
+            <a:r>
+              <a:rPr lang="en-US" sz="1200" dirty="0" smtClean="0"/>
+              <a:t>Save the given entity</a:t>
+            </a:r>
+            <a:endParaRPr lang="en-US" sz="1200" dirty="0"/>
+          </a:p>
+        </p:txBody>
+      </p:sp>
+      <p:cxnSp>
+        <p:nvCxnSpPr>
+          <p:cNvPr id="11" name="Straight Connector 10"/>
+          <p:cNvCxnSpPr>
+            <a:stCxn id="8" idx="1"/>
+            <a:endCxn id="6" idx="3"/>
+          </p:cNvCxnSpPr>
+          <p:nvPr/>
+        </p:nvCxnSpPr>
+        <p:spPr>
+          <a:xfrm flipH="1">
+            <a:off x="4720590" y="2929251"/>
+            <a:ext cx="2651760" cy="208284"/>
+          </a:xfrm>
+          <a:prstGeom prst="line">
+            <a:avLst/>
+          </a:prstGeom>
+        </p:spPr>
+        <p:style>
+          <a:lnRef idx="1">
+            <a:schemeClr val="accent1"/>
+          </a:lnRef>
+          <a:fillRef idx="0">
+            <a:schemeClr val="accent1"/>
+          </a:fillRef>
+          <a:effectRef idx="0">
+            <a:schemeClr val="accent1"/>
+          </a:effectRef>
+          <a:fontRef idx="minor">
+            <a:schemeClr val="tx1"/>
+          </a:fontRef>
+        </p:style>
+      </p:cxnSp>
+      <p:sp>
+        <p:nvSpPr>
+          <p:cNvPr id="24" name="Rectangle 23"/>
+          <p:cNvSpPr/>
+          <p:nvPr/>
+        </p:nvSpPr>
+        <p:spPr>
+          <a:xfrm>
+            <a:off x="7372350" y="3220818"/>
+            <a:ext cx="3909060" cy="320040"/>
+          </a:xfrm>
+          <a:prstGeom prst="rect">
+            <a:avLst/>
+          </a:prstGeom>
+        </p:spPr>
+        <p:style>
+          <a:lnRef idx="2">
+            <a:schemeClr val="accent1">
+              <a:shade val="50000"/>
+            </a:schemeClr>
+          </a:lnRef>
+          <a:fillRef idx="1">
+            <a:schemeClr val="accent1"/>
+          </a:fillRef>
+          <a:effectRef idx="0">
+            <a:schemeClr val="accent1"/>
+          </a:effectRef>
+          <a:fontRef idx="minor">
+            <a:schemeClr val="lt1"/>
+          </a:fontRef>
+        </p:style>
+        <p:txBody>
+          <a:bodyPr rtlCol="0" anchor="ctr"/>
+          <a:lstStyle/>
+          <a:p>
+            <a:pPr algn="ctr"/>
+            <a:r>
+              <a:rPr lang="en-US" sz="1200" dirty="0" smtClean="0"/>
+              <a:t>Return the entity identified by the given id</a:t>
+            </a:r>
+            <a:endParaRPr lang="en-US" sz="1200" dirty="0"/>
+          </a:p>
+        </p:txBody>
+      </p:sp>
+      <p:sp>
+        <p:nvSpPr>
+          <p:cNvPr id="25" name="Rectangle 24"/>
+          <p:cNvSpPr/>
+          <p:nvPr/>
+        </p:nvSpPr>
+        <p:spPr>
+          <a:xfrm>
+            <a:off x="7372350" y="3669420"/>
+            <a:ext cx="3909060" cy="320040"/>
+          </a:xfrm>
+          <a:prstGeom prst="rect">
+            <a:avLst/>
+          </a:prstGeom>
+        </p:spPr>
+        <p:style>
+          <a:lnRef idx="2">
+            <a:schemeClr val="accent1">
+              <a:shade val="50000"/>
+            </a:schemeClr>
+          </a:lnRef>
+          <a:fillRef idx="1">
+            <a:schemeClr val="accent1"/>
+          </a:fillRef>
+          <a:effectRef idx="0">
+            <a:schemeClr val="accent1"/>
+          </a:effectRef>
+          <a:fontRef idx="minor">
+            <a:schemeClr val="lt1"/>
+          </a:fontRef>
+        </p:style>
+        <p:txBody>
+          <a:bodyPr rtlCol="0" anchor="ctr"/>
+          <a:lstStyle/>
+          <a:p>
+            <a:pPr algn="ctr"/>
+            <a:r>
+              <a:rPr lang="en-US" sz="1200" dirty="0" smtClean="0"/>
+              <a:t>Return all entities</a:t>
+            </a:r>
+            <a:endParaRPr lang="en-US" sz="1200" dirty="0"/>
+          </a:p>
+        </p:txBody>
+      </p:sp>
+      <p:sp>
+        <p:nvSpPr>
+          <p:cNvPr id="26" name="Rectangle 25"/>
+          <p:cNvSpPr/>
+          <p:nvPr/>
+        </p:nvSpPr>
+        <p:spPr>
+          <a:xfrm>
+            <a:off x="7372350" y="4136481"/>
+            <a:ext cx="3909060" cy="320040"/>
+          </a:xfrm>
+          <a:prstGeom prst="rect">
+            <a:avLst/>
+          </a:prstGeom>
+        </p:spPr>
+        <p:style>
+          <a:lnRef idx="2">
+            <a:schemeClr val="accent1">
+              <a:shade val="50000"/>
+            </a:schemeClr>
+          </a:lnRef>
+          <a:fillRef idx="1">
+            <a:schemeClr val="accent1"/>
+          </a:fillRef>
+          <a:effectRef idx="0">
+            <a:schemeClr val="accent1"/>
+          </a:effectRef>
+          <a:fontRef idx="minor">
+            <a:schemeClr val="lt1"/>
+          </a:fontRef>
+        </p:style>
+        <p:txBody>
+          <a:bodyPr rtlCol="0" anchor="ctr"/>
+          <a:lstStyle/>
+          <a:p>
+            <a:pPr algn="ctr"/>
+            <a:r>
+              <a:rPr lang="en-US" sz="1200" dirty="0" smtClean="0"/>
+              <a:t>Return the number of entities</a:t>
+            </a:r>
+            <a:endParaRPr lang="en-US" sz="1200" dirty="0"/>
+          </a:p>
+        </p:txBody>
+      </p:sp>
+      <p:sp>
+        <p:nvSpPr>
+          <p:cNvPr id="27" name="Rectangle 26"/>
+          <p:cNvSpPr/>
+          <p:nvPr/>
+        </p:nvSpPr>
+        <p:spPr>
+          <a:xfrm>
+            <a:off x="7372350" y="4615692"/>
+            <a:ext cx="3909060" cy="320040"/>
+          </a:xfrm>
+          <a:prstGeom prst="rect">
+            <a:avLst/>
+          </a:prstGeom>
+        </p:spPr>
+        <p:style>
+          <a:lnRef idx="2">
+            <a:schemeClr val="accent1">
+              <a:shade val="50000"/>
+            </a:schemeClr>
+          </a:lnRef>
+          <a:fillRef idx="1">
+            <a:schemeClr val="accent1"/>
+          </a:fillRef>
+          <a:effectRef idx="0">
+            <a:schemeClr val="accent1"/>
+          </a:effectRef>
+          <a:fontRef idx="minor">
+            <a:schemeClr val="lt1"/>
+          </a:fontRef>
+        </p:style>
+        <p:txBody>
+          <a:bodyPr rtlCol="0" anchor="ctr"/>
+          <a:lstStyle/>
+          <a:p>
+            <a:pPr algn="ctr"/>
+            <a:r>
+              <a:rPr lang="en-US" sz="1200" dirty="0" smtClean="0"/>
+              <a:t>Deletes the given entity</a:t>
+            </a:r>
+            <a:endParaRPr lang="en-US" sz="1200" dirty="0"/>
+          </a:p>
+        </p:txBody>
+      </p:sp>
+      <p:cxnSp>
+        <p:nvCxnSpPr>
+          <p:cNvPr id="28" name="Straight Connector 27"/>
+          <p:cNvCxnSpPr>
+            <a:stCxn id="16" idx="3"/>
+            <a:endCxn id="24" idx="1"/>
+          </p:cNvCxnSpPr>
+          <p:nvPr/>
+        </p:nvCxnSpPr>
+        <p:spPr>
+          <a:xfrm flipV="1">
+            <a:off x="4206240" y="3380838"/>
+            <a:ext cx="3166110" cy="89736"/>
+          </a:xfrm>
+          <a:prstGeom prst="line">
+            <a:avLst/>
+          </a:prstGeom>
+        </p:spPr>
+        <p:style>
+          <a:lnRef idx="1">
+            <a:schemeClr val="accent1"/>
+          </a:lnRef>
+          <a:fillRef idx="0">
+            <a:schemeClr val="accent1"/>
+          </a:fillRef>
+          <a:effectRef idx="0">
+            <a:schemeClr val="accent1"/>
+          </a:effectRef>
+          <a:fontRef idx="minor">
+            <a:schemeClr val="tx1"/>
+          </a:fontRef>
+        </p:style>
+      </p:cxnSp>
+      <p:cxnSp>
+        <p:nvCxnSpPr>
+          <p:cNvPr id="30" name="Straight Connector 29"/>
+          <p:cNvCxnSpPr>
+            <a:stCxn id="17" idx="3"/>
+            <a:endCxn id="25" idx="1"/>
+          </p:cNvCxnSpPr>
+          <p:nvPr/>
+        </p:nvCxnSpPr>
+        <p:spPr>
+          <a:xfrm>
+            <a:off x="3989070" y="3819189"/>
+            <a:ext cx="3383280" cy="10251"/>
+          </a:xfrm>
+          <a:prstGeom prst="line">
+            <a:avLst/>
+          </a:prstGeom>
+        </p:spPr>
+        <p:style>
+          <a:lnRef idx="1">
+            <a:schemeClr val="accent1"/>
+          </a:lnRef>
+          <a:fillRef idx="0">
+            <a:schemeClr val="accent1"/>
+          </a:fillRef>
+          <a:effectRef idx="0">
+            <a:schemeClr val="accent1"/>
+          </a:effectRef>
+          <a:fontRef idx="minor">
+            <a:schemeClr val="tx1"/>
+          </a:fontRef>
+        </p:style>
+      </p:cxnSp>
+      <p:cxnSp>
+        <p:nvCxnSpPr>
+          <p:cNvPr id="32" name="Straight Connector 31"/>
+          <p:cNvCxnSpPr>
+            <a:stCxn id="20" idx="3"/>
+            <a:endCxn id="26" idx="1"/>
+          </p:cNvCxnSpPr>
+          <p:nvPr/>
+        </p:nvCxnSpPr>
+        <p:spPr>
+          <a:xfrm>
+            <a:off x="3280410" y="4173519"/>
+            <a:ext cx="4091940" cy="122982"/>
+          </a:xfrm>
+          <a:prstGeom prst="line">
+            <a:avLst/>
+          </a:prstGeom>
+        </p:spPr>
+        <p:style>
+          <a:lnRef idx="1">
+            <a:schemeClr val="accent1"/>
+          </a:lnRef>
+          <a:fillRef idx="0">
+            <a:schemeClr val="accent1"/>
+          </a:fillRef>
+          <a:effectRef idx="0">
+            <a:schemeClr val="accent1"/>
+          </a:effectRef>
+          <a:fontRef idx="minor">
+            <a:schemeClr val="tx1"/>
+          </a:fontRef>
+        </p:style>
+      </p:cxnSp>
+      <p:cxnSp>
+        <p:nvCxnSpPr>
+          <p:cNvPr id="34" name="Straight Connector 33"/>
+          <p:cNvCxnSpPr>
+            <a:stCxn id="21" idx="3"/>
+            <a:endCxn id="27" idx="1"/>
+          </p:cNvCxnSpPr>
+          <p:nvPr/>
+        </p:nvCxnSpPr>
+        <p:spPr>
+          <a:xfrm>
+            <a:off x="3989070" y="4481705"/>
+            <a:ext cx="3383280" cy="294007"/>
+          </a:xfrm>
+          <a:prstGeom prst="line">
+            <a:avLst/>
+          </a:prstGeom>
+        </p:spPr>
+        <p:style>
+          <a:lnRef idx="1">
+            <a:schemeClr val="accent1"/>
+          </a:lnRef>
+          <a:fillRef idx="0">
+            <a:schemeClr val="accent1"/>
+          </a:fillRef>
+          <a:effectRef idx="0">
+            <a:schemeClr val="accent1"/>
+          </a:effectRef>
+          <a:fontRef idx="minor">
+            <a:schemeClr val="tx1"/>
+          </a:fontRef>
+        </p:style>
+      </p:cxnSp>
+      <p:sp>
+        <p:nvSpPr>
+          <p:cNvPr id="36" name="Rectangle 35"/>
+          <p:cNvSpPr/>
+          <p:nvPr/>
+        </p:nvSpPr>
+        <p:spPr>
+          <a:xfrm>
+            <a:off x="7372350" y="5058555"/>
+            <a:ext cx="3909060" cy="320040"/>
+          </a:xfrm>
+          <a:prstGeom prst="rect">
+            <a:avLst/>
+          </a:prstGeom>
+        </p:spPr>
+        <p:style>
+          <a:lnRef idx="2">
+            <a:schemeClr val="accent1">
+              <a:shade val="50000"/>
+            </a:schemeClr>
+          </a:lnRef>
+          <a:fillRef idx="1">
+            <a:schemeClr val="accent1"/>
+          </a:fillRef>
+          <a:effectRef idx="0">
+            <a:schemeClr val="accent1"/>
+          </a:effectRef>
+          <a:fontRef idx="minor">
+            <a:schemeClr val="lt1"/>
+          </a:fontRef>
+        </p:style>
+        <p:txBody>
+          <a:bodyPr rtlCol="0" anchor="ctr"/>
+          <a:lstStyle/>
+          <a:p>
+            <a:pPr algn="ctr"/>
+            <a:r>
+              <a:rPr lang="en-US" sz="1200" dirty="0" smtClean="0"/>
+              <a:t>Indicates whether an entity with the given id exits</a:t>
+            </a:r>
+            <a:endParaRPr lang="en-US" sz="1200" dirty="0"/>
+          </a:p>
+        </p:txBody>
+      </p:sp>
+      <p:cxnSp>
+        <p:nvCxnSpPr>
+          <p:cNvPr id="37" name="Straight Connector 36"/>
+          <p:cNvCxnSpPr>
+            <a:stCxn id="22" idx="3"/>
+            <a:endCxn id="36" idx="1"/>
+          </p:cNvCxnSpPr>
+          <p:nvPr/>
+        </p:nvCxnSpPr>
+        <p:spPr>
+          <a:xfrm>
+            <a:off x="4606290" y="4827085"/>
+            <a:ext cx="2766060" cy="391490"/>
+          </a:xfrm>
+          <a:prstGeom prst="line">
+            <a:avLst/>
+          </a:prstGeom>
+        </p:spPr>
+        <p:style>
+          <a:lnRef idx="1">
+            <a:schemeClr val="accent1"/>
+          </a:lnRef>
+          <a:fillRef idx="0">
+            <a:schemeClr val="accent1"/>
+          </a:fillRef>
+          <a:effectRef idx="0">
+            <a:schemeClr val="accent1"/>
+          </a:effectRef>
+          <a:fontRef idx="minor">
+            <a:schemeClr val="tx1"/>
+          </a:fontRef>
+        </p:style>
+      </p:cxnSp>
+    </p:spTree>
+    <p:extLst>
+      <p:ext uri="{BB962C8B-B14F-4D97-AF65-F5344CB8AC3E}">
+        <p14:creationId xmlns:p14="http://schemas.microsoft.com/office/powerpoint/2010/main" val="2142758853"/>
+      </p:ext>
+    </p:extLst>
+  </p:cSld>
+  <p:clrMapOvr>
+    <a:masterClrMapping/>
+  </p:clrMapOvr>
+  <p:timing>
+    <p:tnLst>
+      <p:par>
+        <p:cTn id="1" dur="indefinite" restart="never" nodeType="tmRoot"/>
+      </p:par>
+    </p:tnLst>
+  </p:timing>
+</p:sld>
+</file>
+
+<file path=ppt/slides/slide15.xml><?xml version="1.0" encoding="utf-8"?>
+<p:sld xmlns:a="http://schemas.openxmlformats.org/drawingml/2006/main" xmlns:r="http://schemas.openxmlformats.org/officeDocument/2006/relationships" xmlns:p="http://schemas.openxmlformats.org/presentationml/2006/main">
+  <p:cSld>
+    <p:spTree>
+      <p:nvGrpSpPr>
+        <p:cNvPr id="1" name=""/>
+        <p:cNvGrpSpPr/>
+        <p:nvPr/>
+      </p:nvGrpSpPr>
+      <p:grpSpPr>
+        <a:xfrm>
+          <a:off x="0" y="0"/>
+          <a:ext cx="0" cy="0"/>
+          <a:chOff x="0" y="0"/>
+          <a:chExt cx="0" cy="0"/>
+        </a:xfrm>
+      </p:grpSpPr>
+      <p:sp>
+        <p:nvSpPr>
+          <p:cNvPr id="2" name="Title 1"/>
+          <p:cNvSpPr>
+            <a:spLocks noGrp="1"/>
+          </p:cNvSpPr>
+          <p:nvPr>
+            <p:ph type="title"/>
+          </p:nvPr>
+        </p:nvSpPr>
+        <p:spPr/>
+        <p:txBody>
+          <a:bodyPr/>
+          <a:lstStyle/>
+          <a:p>
+            <a:r>
+              <a:rPr lang="en-US" dirty="0" smtClean="0">
+                <a:ea typeface="Roboto" panose="02000000000000000000" pitchFamily="2" charset="0"/>
+              </a:rPr>
+              <a:t>3.</a:t>
+            </a:r>
+            <a:r>
+              <a:rPr lang="en-US" dirty="0">
+                <a:ea typeface="Roboto" panose="02000000000000000000" pitchFamily="2" charset="0"/>
+              </a:rPr>
+              <a:t>	</a:t>
+            </a:r>
+            <a:r>
+              <a:rPr lang="en-US" dirty="0" smtClean="0">
+                <a:ea typeface="Roboto" panose="02000000000000000000" pitchFamily="2" charset="0"/>
+              </a:rPr>
+              <a:t>Spring Repositories</a:t>
+            </a:r>
+            <a:endParaRPr lang="en-US" dirty="0">
+              <a:ea typeface="Roboto" panose="02000000000000000000" pitchFamily="2" charset="0"/>
+            </a:endParaRPr>
+          </a:p>
+        </p:txBody>
+      </p:sp>
+      <p:sp>
+        <p:nvSpPr>
+          <p:cNvPr id="4" name="Title 1"/>
+          <p:cNvSpPr txBox="1">
+            <a:spLocks/>
+          </p:cNvSpPr>
+          <p:nvPr/>
+        </p:nvSpPr>
+        <p:spPr bwMode="gray">
+          <a:xfrm>
+            <a:off x="1596539" y="1452033"/>
+            <a:ext cx="6288891" cy="318345"/>
+          </a:xfrm>
+          <a:prstGeom prst="rect">
+            <a:avLst/>
+          </a:prstGeom>
+        </p:spPr>
+        <p:txBody>
+          <a:bodyPr vert="horz" lIns="91440" tIns="45720" rIns="91440" bIns="45720" rtlCol="0" anchor="ctr">
+            <a:noAutofit/>
+          </a:bodyPr>
+          <a:lstStyle>
+            <a:lvl1pPr algn="l" defTabSz="457200" rtl="0" eaLnBrk="1" latinLnBrk="0" hangingPunct="1">
+              <a:spcBef>
+                <a:spcPct val="0"/>
+              </a:spcBef>
+              <a:buNone/>
+              <a:defRPr sz="3600" b="1" i="0" kern="1200">
+                <a:solidFill>
+                  <a:srgbClr val="164D90"/>
+                </a:solidFill>
+                <a:latin typeface="+mj-lt"/>
+                <a:ea typeface="+mj-ea"/>
+                <a:cs typeface="+mj-cs"/>
+              </a:defRPr>
+            </a:lvl1pPr>
+            <a:lvl2pPr eaLnBrk="1" hangingPunct="1">
+              <a:defRPr>
+                <a:solidFill>
+                  <a:schemeClr val="tx2"/>
+                </a:solidFill>
+              </a:defRPr>
+            </a:lvl2pPr>
+            <a:lvl3pPr eaLnBrk="1" hangingPunct="1">
+              <a:defRPr>
+                <a:solidFill>
+                  <a:schemeClr val="tx2"/>
+                </a:solidFill>
+              </a:defRPr>
+            </a:lvl3pPr>
+            <a:lvl4pPr eaLnBrk="1" hangingPunct="1">
+              <a:defRPr>
+                <a:solidFill>
+                  <a:schemeClr val="tx2"/>
+                </a:solidFill>
+              </a:defRPr>
+            </a:lvl4pPr>
+            <a:lvl5pPr eaLnBrk="1" hangingPunct="1">
+              <a:defRPr>
+                <a:solidFill>
+                  <a:schemeClr val="tx2"/>
+                </a:solidFill>
+              </a:defRPr>
+            </a:lvl5pPr>
+            <a:lvl6pPr eaLnBrk="1" hangingPunct="1">
+              <a:defRPr>
+                <a:solidFill>
+                  <a:schemeClr val="tx2"/>
+                </a:solidFill>
+              </a:defRPr>
+            </a:lvl6pPr>
+            <a:lvl7pPr eaLnBrk="1" hangingPunct="1">
+              <a:defRPr>
+                <a:solidFill>
+                  <a:schemeClr val="tx2"/>
+                </a:solidFill>
+              </a:defRPr>
+            </a:lvl7pPr>
+            <a:lvl8pPr eaLnBrk="1" hangingPunct="1">
+              <a:defRPr>
+                <a:solidFill>
+                  <a:schemeClr val="tx2"/>
+                </a:solidFill>
+              </a:defRPr>
+            </a:lvl8pPr>
+            <a:lvl9pPr eaLnBrk="1" hangingPunct="1">
+              <a:defRPr>
+                <a:solidFill>
+                  <a:schemeClr val="tx2"/>
+                </a:solidFill>
+              </a:defRPr>
+            </a:lvl9pPr>
+          </a:lstStyle>
+          <a:p>
+            <a:r>
+              <a:rPr lang="en-US" sz="2800" b="0" dirty="0" smtClean="0">
+                <a:ea typeface="Roboto" panose="02000000000000000000" pitchFamily="2" charset="0"/>
+              </a:rPr>
+              <a:t>3.2  </a:t>
+            </a:r>
+            <a:r>
+              <a:rPr lang="en-US" sz="2800" b="0" dirty="0" err="1" smtClean="0">
+                <a:ea typeface="Roboto" panose="02000000000000000000" pitchFamily="2" charset="0"/>
+              </a:rPr>
+              <a:t>PagingAndSortingRepository</a:t>
+            </a:r>
+            <a:endParaRPr lang="en-US" sz="2800" b="0" dirty="0">
+              <a:ea typeface="Roboto" panose="02000000000000000000" pitchFamily="2" charset="0"/>
+            </a:endParaRPr>
+          </a:p>
+        </p:txBody>
+      </p:sp>
+      <p:sp>
+        <p:nvSpPr>
+          <p:cNvPr id="14" name="Title 1"/>
+          <p:cNvSpPr txBox="1">
+            <a:spLocks/>
+          </p:cNvSpPr>
+          <p:nvPr/>
+        </p:nvSpPr>
+        <p:spPr bwMode="gray">
+          <a:xfrm>
+            <a:off x="1844751" y="1959968"/>
+            <a:ext cx="8372399" cy="375201"/>
+          </a:xfrm>
+          <a:prstGeom prst="rect">
+            <a:avLst/>
+          </a:prstGeom>
+        </p:spPr>
+        <p:txBody>
+          <a:bodyPr vert="horz" lIns="91440" tIns="45720" rIns="91440" bIns="45720" rtlCol="0" anchor="ctr">
+            <a:noAutofit/>
+          </a:bodyPr>
+          <a:lstStyle>
+            <a:lvl1pPr algn="l" defTabSz="457200" rtl="0" eaLnBrk="1" latinLnBrk="0" hangingPunct="1">
+              <a:spcBef>
+                <a:spcPct val="0"/>
+              </a:spcBef>
+              <a:buNone/>
+              <a:defRPr sz="3600" b="1" i="0" kern="1200">
+                <a:solidFill>
+                  <a:srgbClr val="164D90"/>
+                </a:solidFill>
+                <a:latin typeface="+mj-lt"/>
+                <a:ea typeface="+mj-ea"/>
+                <a:cs typeface="+mj-cs"/>
+              </a:defRPr>
+            </a:lvl1pPr>
+            <a:lvl2pPr eaLnBrk="1" hangingPunct="1">
+              <a:defRPr>
+                <a:solidFill>
+                  <a:schemeClr val="tx2"/>
+                </a:solidFill>
+              </a:defRPr>
+            </a:lvl2pPr>
+            <a:lvl3pPr eaLnBrk="1" hangingPunct="1">
+              <a:defRPr>
+                <a:solidFill>
+                  <a:schemeClr val="tx2"/>
+                </a:solidFill>
+              </a:defRPr>
+            </a:lvl3pPr>
+            <a:lvl4pPr eaLnBrk="1" hangingPunct="1">
+              <a:defRPr>
+                <a:solidFill>
+                  <a:schemeClr val="tx2"/>
+                </a:solidFill>
+              </a:defRPr>
+            </a:lvl4pPr>
+            <a:lvl5pPr eaLnBrk="1" hangingPunct="1">
+              <a:defRPr>
+                <a:solidFill>
+                  <a:schemeClr val="tx2"/>
+                </a:solidFill>
+              </a:defRPr>
+            </a:lvl5pPr>
+            <a:lvl6pPr eaLnBrk="1" hangingPunct="1">
+              <a:defRPr>
+                <a:solidFill>
+                  <a:schemeClr val="tx2"/>
+                </a:solidFill>
+              </a:defRPr>
+            </a:lvl6pPr>
+            <a:lvl7pPr eaLnBrk="1" hangingPunct="1">
+              <a:defRPr>
+                <a:solidFill>
+                  <a:schemeClr val="tx2"/>
+                </a:solidFill>
+              </a:defRPr>
+            </a:lvl7pPr>
+            <a:lvl8pPr eaLnBrk="1" hangingPunct="1">
+              <a:defRPr>
+                <a:solidFill>
+                  <a:schemeClr val="tx2"/>
+                </a:solidFill>
+              </a:defRPr>
+            </a:lvl8pPr>
+            <a:lvl9pPr eaLnBrk="1" hangingPunct="1">
+              <a:defRPr>
+                <a:solidFill>
+                  <a:schemeClr val="tx2"/>
+                </a:solidFill>
+              </a:defRPr>
+            </a:lvl9pPr>
+          </a:lstStyle>
+          <a:p>
+            <a:pPr marL="457200" indent="-457200">
+              <a:buClr>
+                <a:srgbClr val="92D050"/>
+              </a:buClr>
+              <a:buFont typeface="Wingdings" panose="05000000000000000000" pitchFamily="2" charset="2"/>
+              <a:buChar char="Ø"/>
+            </a:pPr>
+            <a:r>
+              <a:rPr lang="en-US" sz="1700" dirty="0" err="1" smtClean="0">
+                <a:ea typeface="Roboto" panose="02000000000000000000" pitchFamily="2" charset="0"/>
+              </a:rPr>
+              <a:t>PagingAndSortingRepository</a:t>
+            </a:r>
+            <a:r>
+              <a:rPr lang="en-US" sz="1700" b="0" dirty="0" smtClean="0">
+                <a:ea typeface="Roboto" panose="02000000000000000000" pitchFamily="2" charset="0"/>
+              </a:rPr>
+              <a:t> provides method to do pagination and sorting records</a:t>
+            </a:r>
+            <a:endParaRPr lang="en-US" sz="1700" b="0" dirty="0">
+              <a:ea typeface="Roboto" panose="02000000000000000000" pitchFamily="2" charset="0"/>
+            </a:endParaRPr>
+          </a:p>
+        </p:txBody>
+      </p:sp>
+      <p:sp>
+        <p:nvSpPr>
+          <p:cNvPr id="29" name="Title 1"/>
+          <p:cNvSpPr txBox="1">
+            <a:spLocks/>
+          </p:cNvSpPr>
+          <p:nvPr/>
+        </p:nvSpPr>
+        <p:spPr bwMode="gray">
+          <a:xfrm>
+            <a:off x="1596539" y="2524759"/>
+            <a:ext cx="6288891" cy="318345"/>
+          </a:xfrm>
+          <a:prstGeom prst="rect">
+            <a:avLst/>
+          </a:prstGeom>
+        </p:spPr>
+        <p:txBody>
+          <a:bodyPr vert="horz" lIns="91440" tIns="45720" rIns="91440" bIns="45720" rtlCol="0" anchor="ctr">
+            <a:noAutofit/>
+          </a:bodyPr>
+          <a:lstStyle>
+            <a:lvl1pPr algn="l" defTabSz="457200" rtl="0" eaLnBrk="1" latinLnBrk="0" hangingPunct="1">
+              <a:spcBef>
+                <a:spcPct val="0"/>
+              </a:spcBef>
+              <a:buNone/>
+              <a:defRPr sz="3600" b="1" i="0" kern="1200">
+                <a:solidFill>
+                  <a:srgbClr val="164D90"/>
+                </a:solidFill>
+                <a:latin typeface="+mj-lt"/>
+                <a:ea typeface="+mj-ea"/>
+                <a:cs typeface="+mj-cs"/>
+              </a:defRPr>
+            </a:lvl1pPr>
+            <a:lvl2pPr eaLnBrk="1" hangingPunct="1">
+              <a:defRPr>
+                <a:solidFill>
+                  <a:schemeClr val="tx2"/>
+                </a:solidFill>
+              </a:defRPr>
+            </a:lvl2pPr>
+            <a:lvl3pPr eaLnBrk="1" hangingPunct="1">
+              <a:defRPr>
+                <a:solidFill>
+                  <a:schemeClr val="tx2"/>
+                </a:solidFill>
+              </a:defRPr>
+            </a:lvl3pPr>
+            <a:lvl4pPr eaLnBrk="1" hangingPunct="1">
+              <a:defRPr>
+                <a:solidFill>
+                  <a:schemeClr val="tx2"/>
+                </a:solidFill>
+              </a:defRPr>
+            </a:lvl4pPr>
+            <a:lvl5pPr eaLnBrk="1" hangingPunct="1">
+              <a:defRPr>
+                <a:solidFill>
+                  <a:schemeClr val="tx2"/>
+                </a:solidFill>
+              </a:defRPr>
+            </a:lvl5pPr>
+            <a:lvl6pPr eaLnBrk="1" hangingPunct="1">
+              <a:defRPr>
+                <a:solidFill>
+                  <a:schemeClr val="tx2"/>
+                </a:solidFill>
+              </a:defRPr>
+            </a:lvl6pPr>
+            <a:lvl7pPr eaLnBrk="1" hangingPunct="1">
+              <a:defRPr>
+                <a:solidFill>
+                  <a:schemeClr val="tx2"/>
+                </a:solidFill>
+              </a:defRPr>
+            </a:lvl7pPr>
+            <a:lvl8pPr eaLnBrk="1" hangingPunct="1">
+              <a:defRPr>
+                <a:solidFill>
+                  <a:schemeClr val="tx2"/>
+                </a:solidFill>
+              </a:defRPr>
+            </a:lvl8pPr>
+            <a:lvl9pPr eaLnBrk="1" hangingPunct="1">
+              <a:defRPr>
+                <a:solidFill>
+                  <a:schemeClr val="tx2"/>
+                </a:solidFill>
+              </a:defRPr>
+            </a:lvl9pPr>
+          </a:lstStyle>
+          <a:p>
+            <a:r>
+              <a:rPr lang="en-US" sz="2800" b="0" dirty="0" smtClean="0">
+                <a:ea typeface="Roboto" panose="02000000000000000000" pitchFamily="2" charset="0"/>
+              </a:rPr>
+              <a:t>3.3  Spring Data JPA</a:t>
+            </a:r>
+            <a:endParaRPr lang="en-US" sz="2800" b="0" dirty="0">
+              <a:ea typeface="Roboto" panose="02000000000000000000" pitchFamily="2" charset="0"/>
+            </a:endParaRPr>
+          </a:p>
+        </p:txBody>
+      </p:sp>
+      <p:sp>
+        <p:nvSpPr>
+          <p:cNvPr id="31" name="Title 1"/>
+          <p:cNvSpPr txBox="1">
+            <a:spLocks/>
+          </p:cNvSpPr>
+          <p:nvPr/>
+        </p:nvSpPr>
+        <p:spPr bwMode="gray">
+          <a:xfrm>
+            <a:off x="1936191" y="2766355"/>
+            <a:ext cx="9626451" cy="912706"/>
+          </a:xfrm>
+          <a:prstGeom prst="rect">
+            <a:avLst/>
+          </a:prstGeom>
+        </p:spPr>
+        <p:txBody>
+          <a:bodyPr vert="horz" lIns="91440" tIns="45720" rIns="91440" bIns="45720" rtlCol="0" anchor="ctr">
+            <a:noAutofit/>
+          </a:bodyPr>
+          <a:lstStyle>
+            <a:lvl1pPr algn="l" defTabSz="457200" rtl="0" eaLnBrk="1" latinLnBrk="0" hangingPunct="1">
+              <a:spcBef>
+                <a:spcPct val="0"/>
+              </a:spcBef>
+              <a:buNone/>
+              <a:defRPr sz="3600" b="1" i="0" kern="1200">
+                <a:solidFill>
+                  <a:srgbClr val="164D90"/>
+                </a:solidFill>
+                <a:latin typeface="+mj-lt"/>
+                <a:ea typeface="+mj-ea"/>
+                <a:cs typeface="+mj-cs"/>
+              </a:defRPr>
+            </a:lvl1pPr>
+            <a:lvl2pPr eaLnBrk="1" hangingPunct="1">
+              <a:defRPr>
+                <a:solidFill>
+                  <a:schemeClr val="tx2"/>
+                </a:solidFill>
+              </a:defRPr>
+            </a:lvl2pPr>
+            <a:lvl3pPr eaLnBrk="1" hangingPunct="1">
+              <a:defRPr>
+                <a:solidFill>
+                  <a:schemeClr val="tx2"/>
+                </a:solidFill>
+              </a:defRPr>
+            </a:lvl3pPr>
+            <a:lvl4pPr eaLnBrk="1" hangingPunct="1">
+              <a:defRPr>
+                <a:solidFill>
+                  <a:schemeClr val="tx2"/>
+                </a:solidFill>
+              </a:defRPr>
+            </a:lvl4pPr>
+            <a:lvl5pPr eaLnBrk="1" hangingPunct="1">
+              <a:defRPr>
+                <a:solidFill>
+                  <a:schemeClr val="tx2"/>
+                </a:solidFill>
+              </a:defRPr>
+            </a:lvl5pPr>
+            <a:lvl6pPr eaLnBrk="1" hangingPunct="1">
+              <a:defRPr>
+                <a:solidFill>
+                  <a:schemeClr val="tx2"/>
+                </a:solidFill>
+              </a:defRPr>
+            </a:lvl6pPr>
+            <a:lvl7pPr eaLnBrk="1" hangingPunct="1">
+              <a:defRPr>
+                <a:solidFill>
+                  <a:schemeClr val="tx2"/>
+                </a:solidFill>
+              </a:defRPr>
+            </a:lvl7pPr>
+            <a:lvl8pPr eaLnBrk="1" hangingPunct="1">
+              <a:defRPr>
+                <a:solidFill>
+                  <a:schemeClr val="tx2"/>
+                </a:solidFill>
+              </a:defRPr>
+            </a:lvl8pPr>
+            <a:lvl9pPr eaLnBrk="1" hangingPunct="1">
+              <a:defRPr>
+                <a:solidFill>
+                  <a:schemeClr val="tx2"/>
+                </a:solidFill>
+              </a:defRPr>
+            </a:lvl9pPr>
+          </a:lstStyle>
+          <a:p>
+            <a:pPr marL="457200" indent="-457200">
+              <a:buClr>
+                <a:srgbClr val="92D050"/>
+              </a:buClr>
+              <a:buFont typeface="Wingdings" panose="05000000000000000000" pitchFamily="2" charset="2"/>
+              <a:buChar char="Ø"/>
+            </a:pPr>
+            <a:r>
+              <a:rPr lang="en-US" sz="1700" dirty="0" err="1" smtClean="0">
+                <a:ea typeface="Roboto" panose="02000000000000000000" pitchFamily="2" charset="0"/>
+              </a:rPr>
+              <a:t>CrudRepository</a:t>
+            </a:r>
+            <a:r>
+              <a:rPr lang="en-US" sz="1700" b="0" dirty="0" smtClean="0">
+                <a:ea typeface="Roboto" panose="02000000000000000000" pitchFamily="2" charset="0"/>
+              </a:rPr>
+              <a:t> provides some JPA-related methods such as flushing the persistence context add deleting records in a batch.</a:t>
+            </a:r>
+            <a:endParaRPr lang="en-US" sz="1700" b="0" dirty="0">
+              <a:ea typeface="Roboto" panose="02000000000000000000" pitchFamily="2" charset="0"/>
+            </a:endParaRPr>
+          </a:p>
+        </p:txBody>
+      </p:sp>
+    </p:spTree>
+    <p:extLst>
+      <p:ext uri="{BB962C8B-B14F-4D97-AF65-F5344CB8AC3E}">
+        <p14:creationId xmlns:p14="http://schemas.microsoft.com/office/powerpoint/2010/main" val="1030057233"/>
+      </p:ext>
+    </p:extLst>
+  </p:cSld>
+  <p:clrMapOvr>
+    <a:masterClrMapping/>
+  </p:clrMapOvr>
+  <p:timing>
+    <p:tnLst>
+      <p:par>
+        <p:cTn id="1" dur="indefinite" restart="never" nodeType="tmRoot"/>
+      </p:par>
+    </p:tnLst>
+  </p:timing>
+</p:sld>
+</file>
+
+<file path=ppt/slides/slide16.xml><?xml version="1.0" encoding="utf-8"?>
+<p:sld xmlns:a="http://schemas.openxmlformats.org/drawingml/2006/main" xmlns:r="http://schemas.openxmlformats.org/officeDocument/2006/relationships" xmlns:p="http://schemas.openxmlformats.org/presentationml/2006/main">
+  <p:cSld>
+    <p:spTree>
+      <p:nvGrpSpPr>
+        <p:cNvPr id="1" name=""/>
+        <p:cNvGrpSpPr/>
+        <p:nvPr/>
+      </p:nvGrpSpPr>
+      <p:grpSpPr>
+        <a:xfrm>
+          <a:off x="0" y="0"/>
+          <a:ext cx="0" cy="0"/>
+          <a:chOff x="0" y="0"/>
+          <a:chExt cx="0" cy="0"/>
+        </a:xfrm>
+      </p:grpSpPr>
+      <p:sp>
+        <p:nvSpPr>
+          <p:cNvPr id="2" name="Title 1"/>
+          <p:cNvSpPr>
+            <a:spLocks noGrp="1"/>
+          </p:cNvSpPr>
+          <p:nvPr>
+            <p:ph type="title"/>
+          </p:nvPr>
+        </p:nvSpPr>
+        <p:spPr/>
+        <p:txBody>
+          <a:bodyPr/>
+          <a:lstStyle/>
+          <a:p>
+            <a:r>
+              <a:rPr lang="en-US" dirty="0" smtClean="0">
+                <a:ea typeface="Roboto" panose="02000000000000000000" pitchFamily="2" charset="0"/>
+              </a:rPr>
+              <a:t>3.</a:t>
+            </a:r>
+            <a:r>
+              <a:rPr lang="en-US" dirty="0">
+                <a:ea typeface="Roboto" panose="02000000000000000000" pitchFamily="2" charset="0"/>
+              </a:rPr>
+              <a:t>	</a:t>
+            </a:r>
+            <a:r>
+              <a:rPr lang="en-US" dirty="0" smtClean="0">
+                <a:ea typeface="Roboto" panose="02000000000000000000" pitchFamily="2" charset="0"/>
+              </a:rPr>
+              <a:t>Spring Repositories</a:t>
+            </a:r>
+            <a:endParaRPr lang="en-US" dirty="0">
+              <a:ea typeface="Roboto" panose="02000000000000000000" pitchFamily="2" charset="0"/>
+            </a:endParaRPr>
+          </a:p>
+        </p:txBody>
+      </p:sp>
+      <p:graphicFrame>
+        <p:nvGraphicFramePr>
+          <p:cNvPr id="3" name="Table 2"/>
+          <p:cNvGraphicFramePr>
+            <a:graphicFrameLocks noGrp="1"/>
+          </p:cNvGraphicFramePr>
+          <p:nvPr>
+            <p:extLst/>
+          </p:nvPr>
+        </p:nvGraphicFramePr>
+        <p:xfrm>
+          <a:off x="1244600" y="1438792"/>
+          <a:ext cx="3517900" cy="2460105"/>
+        </p:xfrm>
+        <a:graphic>
+          <a:graphicData uri="http://schemas.openxmlformats.org/drawingml/2006/table">
+            <a:tbl>
+              <a:tblPr firstRow="1" bandRow="1">
+                <a:tableStyleId>{5C22544A-7EE6-4342-B048-85BDC9FD1C3A}</a:tableStyleId>
+              </a:tblPr>
+              <a:tblGrid>
+                <a:gridCol w="1758950"/>
+                <a:gridCol w="1758950"/>
+              </a:tblGrid>
+              <a:tr h="178677">
+                <a:tc gridSpan="2">
+                  <a:txBody>
+                    <a:bodyPr/>
+                    <a:lstStyle/>
+                    <a:p>
+                      <a:pPr algn="ctr"/>
+                      <a:r>
+                        <a:rPr lang="en-US" sz="800" b="1" dirty="0" smtClean="0"/>
+                        <a:t>&lt;Interface&gt; </a:t>
+                      </a:r>
+                      <a:r>
+                        <a:rPr lang="en-US" sz="800" b="1" dirty="0" err="1" smtClean="0"/>
+                        <a:t>CrudRepository</a:t>
+                      </a:r>
+                      <a:endParaRPr lang="en-US" sz="800" b="1" dirty="0"/>
+                    </a:p>
+                  </a:txBody>
+                  <a:tcPr marL="55105" marR="55105" marT="27553" marB="27553"/>
+                </a:tc>
+                <a:tc hMerge="1">
+                  <a:txBody>
+                    <a:bodyPr/>
+                    <a:lstStyle/>
+                    <a:p>
+                      <a:endParaRPr lang="en-US" dirty="0"/>
+                    </a:p>
+                  </a:txBody>
+                  <a:tcPr/>
+                </a:tc>
+              </a:tr>
+              <a:tr h="178677">
+                <a:tc>
+                  <a:txBody>
+                    <a:bodyPr/>
+                    <a:lstStyle/>
+                    <a:p>
+                      <a:pPr algn="ctr"/>
+                      <a:r>
+                        <a:rPr lang="en-US" sz="800" b="1" dirty="0" smtClean="0"/>
+                        <a:t>Method</a:t>
+                      </a:r>
+                      <a:endParaRPr lang="en-US" sz="800" b="1" dirty="0"/>
+                    </a:p>
+                  </a:txBody>
+                  <a:tcPr marL="55105" marR="55105" marT="27553" marB="27553"/>
+                </a:tc>
+                <a:tc>
+                  <a:txBody>
+                    <a:bodyPr/>
+                    <a:lstStyle/>
+                    <a:p>
+                      <a:pPr algn="ctr"/>
+                      <a:r>
+                        <a:rPr lang="en-US" sz="800" b="1" dirty="0" smtClean="0"/>
+                        <a:t>Return Value</a:t>
+                      </a:r>
+                      <a:endParaRPr lang="en-US" sz="800" b="1" dirty="0"/>
+                    </a:p>
+                  </a:txBody>
+                  <a:tcPr marL="55105" marR="55105" marT="27553" marB="27553"/>
+                </a:tc>
+              </a:tr>
+              <a:tr h="178677">
+                <a:tc>
+                  <a:txBody>
+                    <a:bodyPr/>
+                    <a:lstStyle/>
+                    <a:p>
+                      <a:r>
+                        <a:rPr lang="en-US" sz="800" b="1" dirty="0" smtClean="0"/>
+                        <a:t>Save(s)</a:t>
+                      </a:r>
+                      <a:endParaRPr lang="en-US" sz="800" b="1" dirty="0"/>
+                    </a:p>
+                  </a:txBody>
+                  <a:tcPr marL="55105" marR="55105" marT="27553" marB="27553"/>
+                </a:tc>
+                <a:tc>
+                  <a:txBody>
+                    <a:bodyPr/>
+                    <a:lstStyle/>
+                    <a:p>
+                      <a:r>
+                        <a:rPr lang="en-US" sz="800" b="1" dirty="0" smtClean="0"/>
+                        <a:t>S</a:t>
+                      </a:r>
+                      <a:endParaRPr lang="en-US" sz="800" b="1" dirty="0"/>
+                    </a:p>
+                  </a:txBody>
+                  <a:tcPr marL="55105" marR="55105" marT="27553" marB="27553"/>
+                </a:tc>
+              </a:tr>
+              <a:tr h="178677">
+                <a:tc>
+                  <a:txBody>
+                    <a:bodyPr/>
+                    <a:lstStyle/>
+                    <a:p>
+                      <a:r>
+                        <a:rPr lang="en-US" sz="800" b="1" dirty="0" smtClean="0"/>
+                        <a:t>Save(</a:t>
+                      </a:r>
+                      <a:r>
+                        <a:rPr lang="en-US" sz="800" b="1" dirty="0" err="1" smtClean="0"/>
+                        <a:t>Interable</a:t>
+                      </a:r>
+                      <a:r>
+                        <a:rPr lang="en-US" sz="800" b="1" dirty="0" smtClean="0"/>
+                        <a:t>&lt;S&gt;)</a:t>
+                      </a:r>
+                      <a:endParaRPr lang="en-US" sz="800" b="1" dirty="0"/>
+                    </a:p>
+                  </a:txBody>
+                  <a:tcPr marL="55105" marR="55105" marT="27553" marB="27553"/>
+                </a:tc>
+                <a:tc>
+                  <a:txBody>
+                    <a:bodyPr/>
+                    <a:lstStyle/>
+                    <a:p>
+                      <a:r>
+                        <a:rPr lang="en-US" sz="800" b="1" dirty="0" err="1" smtClean="0"/>
+                        <a:t>Iterable,S</a:t>
+                      </a:r>
+                      <a:r>
+                        <a:rPr lang="en-US" sz="800" b="1" dirty="0" smtClean="0"/>
+                        <a:t>&gt;</a:t>
+                      </a:r>
+                      <a:endParaRPr lang="en-US" sz="800" b="1" dirty="0"/>
+                    </a:p>
+                  </a:txBody>
+                  <a:tcPr marL="55105" marR="55105" marT="27553" marB="27553"/>
+                </a:tc>
+              </a:tr>
+              <a:tr h="178677">
+                <a:tc>
+                  <a:txBody>
+                    <a:bodyPr/>
+                    <a:lstStyle/>
+                    <a:p>
+                      <a:r>
+                        <a:rPr lang="en-US" sz="800" b="1" dirty="0" err="1" smtClean="0"/>
+                        <a:t>findOne</a:t>
+                      </a:r>
+                      <a:r>
+                        <a:rPr lang="en-US" sz="800" b="1" dirty="0" smtClean="0"/>
+                        <a:t>(ID)</a:t>
+                      </a:r>
+                      <a:endParaRPr lang="en-US" sz="800" b="1" dirty="0"/>
+                    </a:p>
+                  </a:txBody>
+                  <a:tcPr marL="55105" marR="55105" marT="27553" marB="27553"/>
+                </a:tc>
+                <a:tc>
+                  <a:txBody>
+                    <a:bodyPr/>
+                    <a:lstStyle/>
+                    <a:p>
+                      <a:r>
+                        <a:rPr lang="en-US" sz="800" b="1" dirty="0" smtClean="0"/>
+                        <a:t>T</a:t>
+                      </a:r>
+                      <a:endParaRPr lang="en-US" sz="800" b="1" dirty="0"/>
+                    </a:p>
+                  </a:txBody>
+                  <a:tcPr marL="55105" marR="55105" marT="27553" marB="27553"/>
+                </a:tc>
+              </a:tr>
+              <a:tr h="178677">
+                <a:tc>
+                  <a:txBody>
+                    <a:bodyPr/>
+                    <a:lstStyle/>
+                    <a:p>
+                      <a:r>
+                        <a:rPr lang="en-US" sz="800" b="1" dirty="0" smtClean="0"/>
+                        <a:t>Exists(ID)</a:t>
+                      </a:r>
+                      <a:endParaRPr lang="en-US" sz="800" b="1" dirty="0"/>
+                    </a:p>
+                  </a:txBody>
+                  <a:tcPr marL="55105" marR="55105" marT="27553" marB="27553"/>
+                </a:tc>
+                <a:tc>
+                  <a:txBody>
+                    <a:bodyPr/>
+                    <a:lstStyle/>
+                    <a:p>
+                      <a:r>
+                        <a:rPr lang="en-US" sz="800" b="1" dirty="0" err="1" smtClean="0"/>
+                        <a:t>booleam</a:t>
+                      </a:r>
+                      <a:endParaRPr lang="en-US" sz="800" b="1" dirty="0"/>
+                    </a:p>
+                  </a:txBody>
+                  <a:tcPr marL="55105" marR="55105" marT="27553" marB="27553"/>
+                </a:tc>
+              </a:tr>
+              <a:tr h="178677">
+                <a:tc>
+                  <a:txBody>
+                    <a:bodyPr/>
+                    <a:lstStyle/>
+                    <a:p>
+                      <a:r>
+                        <a:rPr lang="en-US" sz="800" b="1" dirty="0" err="1" smtClean="0"/>
+                        <a:t>findAll</a:t>
+                      </a:r>
+                      <a:r>
+                        <a:rPr lang="en-US" sz="800" b="1" dirty="0" smtClean="0"/>
+                        <a:t>()</a:t>
+                      </a:r>
+                      <a:endParaRPr lang="en-US" sz="800" b="1" dirty="0"/>
+                    </a:p>
+                  </a:txBody>
+                  <a:tcPr marL="55105" marR="55105" marT="27553" marB="27553"/>
+                </a:tc>
+                <a:tc>
+                  <a:txBody>
+                    <a:bodyPr/>
+                    <a:lstStyle/>
+                    <a:p>
+                      <a:r>
+                        <a:rPr lang="en-US" sz="800" b="1" dirty="0" err="1" smtClean="0"/>
+                        <a:t>Iterable</a:t>
+                      </a:r>
+                      <a:r>
+                        <a:rPr lang="en-US" sz="800" b="1" dirty="0" smtClean="0"/>
+                        <a:t>&lt;T&gt;</a:t>
+                      </a:r>
+                      <a:endParaRPr lang="en-US" sz="800" b="1" dirty="0"/>
+                    </a:p>
+                  </a:txBody>
+                  <a:tcPr marL="55105" marR="55105" marT="27553" marB="27553"/>
+                </a:tc>
+              </a:tr>
+              <a:tr h="178677">
+                <a:tc>
+                  <a:txBody>
+                    <a:bodyPr/>
+                    <a:lstStyle/>
+                    <a:p>
+                      <a:r>
+                        <a:rPr lang="en-US" sz="800" b="1" dirty="0" err="1" smtClean="0"/>
+                        <a:t>findAll</a:t>
+                      </a:r>
+                      <a:r>
+                        <a:rPr lang="en-US" sz="800" b="1" dirty="0" smtClean="0"/>
+                        <a:t>(</a:t>
+                      </a:r>
+                      <a:r>
+                        <a:rPr lang="en-US" sz="800" b="1" dirty="0" err="1" smtClean="0"/>
+                        <a:t>Iterable</a:t>
+                      </a:r>
+                      <a:r>
+                        <a:rPr lang="en-US" sz="800" b="1" dirty="0" smtClean="0"/>
+                        <a:t>&lt;ID&gt;)</a:t>
+                      </a:r>
+                    </a:p>
+                  </a:txBody>
+                  <a:tcPr marL="55105" marR="55105" marT="27553" marB="27553"/>
+                </a:tc>
+                <a:tc>
+                  <a:txBody>
+                    <a:bodyPr/>
+                    <a:lstStyle/>
+                    <a:p>
+                      <a:r>
+                        <a:rPr lang="en-US" sz="800" b="1" dirty="0" err="1" smtClean="0"/>
+                        <a:t>Iterable</a:t>
+                      </a:r>
+                      <a:r>
+                        <a:rPr lang="en-US" sz="800" b="1" dirty="0" smtClean="0"/>
+                        <a:t>&lt;T&gt;</a:t>
+                      </a:r>
+                      <a:endParaRPr lang="en-US" sz="800" b="1" dirty="0"/>
+                    </a:p>
+                  </a:txBody>
+                  <a:tcPr marL="55105" marR="55105" marT="27553" marB="27553"/>
+                </a:tc>
+              </a:tr>
+              <a:tr h="178677">
+                <a:tc>
+                  <a:txBody>
+                    <a:bodyPr/>
+                    <a:lstStyle/>
+                    <a:p>
+                      <a:r>
+                        <a:rPr lang="en-US" sz="800" b="1" dirty="0" smtClean="0"/>
+                        <a:t>Count()</a:t>
+                      </a:r>
+                      <a:endParaRPr lang="en-US" sz="800" b="1" dirty="0"/>
+                    </a:p>
+                  </a:txBody>
+                  <a:tcPr marL="55105" marR="55105" marT="27553" marB="27553"/>
+                </a:tc>
+                <a:tc>
+                  <a:txBody>
+                    <a:bodyPr/>
+                    <a:lstStyle/>
+                    <a:p>
+                      <a:r>
+                        <a:rPr lang="en-US" sz="800" b="1" dirty="0" smtClean="0"/>
+                        <a:t>Long</a:t>
+                      </a:r>
+                      <a:endParaRPr lang="en-US" sz="800" b="1" dirty="0"/>
+                    </a:p>
+                  </a:txBody>
+                  <a:tcPr marL="55105" marR="55105" marT="27553" marB="27553"/>
+                </a:tc>
+              </a:tr>
+              <a:tr h="178677">
+                <a:tc>
+                  <a:txBody>
+                    <a:bodyPr/>
+                    <a:lstStyle/>
+                    <a:p>
+                      <a:r>
+                        <a:rPr lang="en-US" sz="800" b="1" dirty="0" smtClean="0"/>
+                        <a:t>Delete(ID)</a:t>
+                      </a:r>
+                    </a:p>
+                  </a:txBody>
+                  <a:tcPr marL="55105" marR="55105" marT="27553" marB="27553"/>
+                </a:tc>
+                <a:tc>
+                  <a:txBody>
+                    <a:bodyPr/>
+                    <a:lstStyle/>
+                    <a:p>
+                      <a:r>
+                        <a:rPr lang="en-US" sz="800" b="1" dirty="0" smtClean="0"/>
+                        <a:t>Void</a:t>
+                      </a:r>
+                      <a:endParaRPr lang="en-US" sz="800" b="1" dirty="0"/>
+                    </a:p>
+                  </a:txBody>
+                  <a:tcPr marL="55105" marR="55105" marT="27553" marB="27553"/>
+                </a:tc>
+              </a:tr>
+              <a:tr h="178677">
+                <a:tc>
+                  <a:txBody>
+                    <a:bodyPr/>
+                    <a:lstStyle/>
+                    <a:p>
+                      <a:r>
+                        <a:rPr lang="en-US" sz="800" b="1" dirty="0" smtClean="0"/>
+                        <a:t>Delete(T)</a:t>
+                      </a:r>
+                      <a:endParaRPr lang="en-US" sz="800" b="1" dirty="0"/>
+                    </a:p>
+                  </a:txBody>
+                  <a:tcPr marL="55105" marR="55105" marT="27553" marB="27553"/>
+                </a:tc>
+                <a:tc>
+                  <a:txBody>
+                    <a:bodyPr/>
+                    <a:lstStyle/>
+                    <a:p>
+                      <a:r>
+                        <a:rPr lang="en-US" sz="800" b="1" dirty="0" smtClean="0"/>
+                        <a:t>Void</a:t>
+                      </a:r>
+                      <a:endParaRPr lang="en-US" sz="800" b="1" dirty="0"/>
+                    </a:p>
+                  </a:txBody>
+                  <a:tcPr marL="55105" marR="55105" marT="27553" marB="27553"/>
+                </a:tc>
+              </a:tr>
+              <a:tr h="315981">
+                <a:tc>
+                  <a:txBody>
+                    <a:bodyPr/>
+                    <a:lstStyle/>
+                    <a:p>
+                      <a:r>
+                        <a:rPr lang="en-US" sz="800" b="1" dirty="0" smtClean="0"/>
+                        <a:t>Delete(</a:t>
+                      </a:r>
+                      <a:r>
+                        <a:rPr lang="en-US" sz="800" b="1" dirty="0" err="1" smtClean="0"/>
+                        <a:t>Iterable</a:t>
+                      </a:r>
+                      <a:r>
+                        <a:rPr lang="en-US" sz="800" b="1" dirty="0" smtClean="0"/>
+                        <a:t>&lt;?</a:t>
+                      </a:r>
+                      <a:r>
+                        <a:rPr lang="en-US" sz="800" b="1" baseline="0" dirty="0" smtClean="0"/>
+                        <a:t> </a:t>
+                      </a:r>
+                      <a:r>
+                        <a:rPr lang="en-US" sz="800" b="1" baseline="0" dirty="0" err="1" smtClean="0"/>
+                        <a:t>Exteds</a:t>
+                      </a:r>
+                      <a:r>
+                        <a:rPr lang="en-US" sz="800" b="1" baseline="0" dirty="0" smtClean="0"/>
+                        <a:t> T&gt;</a:t>
+                      </a:r>
+                    </a:p>
+                  </a:txBody>
+                  <a:tcPr marL="55105" marR="55105" marT="27553" marB="27553"/>
+                </a:tc>
+                <a:tc>
+                  <a:txBody>
+                    <a:bodyPr/>
+                    <a:lstStyle/>
+                    <a:p>
+                      <a:r>
+                        <a:rPr lang="en-US" sz="800" b="1" dirty="0" smtClean="0"/>
+                        <a:t>Void</a:t>
+                      </a:r>
+                      <a:endParaRPr lang="en-US" sz="800" b="1" dirty="0"/>
+                    </a:p>
+                  </a:txBody>
+                  <a:tcPr marL="55105" marR="55105" marT="27553" marB="27553"/>
+                </a:tc>
+              </a:tr>
+              <a:tr h="178677">
+                <a:tc>
+                  <a:txBody>
+                    <a:bodyPr/>
+                    <a:lstStyle/>
+                    <a:p>
+                      <a:r>
+                        <a:rPr lang="en-US" sz="800" b="1" dirty="0" err="1" smtClean="0"/>
+                        <a:t>DeleteAll</a:t>
+                      </a:r>
+                      <a:r>
+                        <a:rPr lang="en-US" sz="800" b="1" dirty="0" smtClean="0"/>
+                        <a:t>()</a:t>
+                      </a:r>
+                      <a:endParaRPr lang="en-US" sz="800" b="1" dirty="0"/>
+                    </a:p>
+                  </a:txBody>
+                  <a:tcPr marL="55105" marR="55105" marT="27553" marB="27553"/>
+                </a:tc>
+                <a:tc>
+                  <a:txBody>
+                    <a:bodyPr/>
+                    <a:lstStyle/>
+                    <a:p>
+                      <a:r>
+                        <a:rPr lang="en-US" sz="800" b="1" dirty="0" smtClean="0"/>
+                        <a:t>Void</a:t>
+                      </a:r>
+                      <a:endParaRPr lang="en-US" sz="800" b="1" dirty="0"/>
+                    </a:p>
+                  </a:txBody>
+                  <a:tcPr marL="55105" marR="55105" marT="27553" marB="27553"/>
+                </a:tc>
+              </a:tr>
+            </a:tbl>
+          </a:graphicData>
+        </a:graphic>
+      </p:graphicFrame>
+      <p:sp>
+        <p:nvSpPr>
+          <p:cNvPr id="5" name="Rectangle 4"/>
+          <p:cNvSpPr/>
+          <p:nvPr/>
+        </p:nvSpPr>
+        <p:spPr>
+          <a:xfrm>
+            <a:off x="6375400" y="342900"/>
+            <a:ext cx="2806700" cy="304800"/>
+          </a:xfrm>
+          <a:prstGeom prst="rect">
+            <a:avLst/>
+          </a:prstGeom>
+        </p:spPr>
+        <p:style>
+          <a:lnRef idx="2">
+            <a:schemeClr val="accent1">
+              <a:shade val="50000"/>
+            </a:schemeClr>
+          </a:lnRef>
+          <a:fillRef idx="1">
+            <a:schemeClr val="accent1"/>
+          </a:fillRef>
+          <a:effectRef idx="0">
+            <a:schemeClr val="accent1"/>
+          </a:effectRef>
+          <a:fontRef idx="minor">
+            <a:schemeClr val="lt1"/>
+          </a:fontRef>
+        </p:style>
+        <p:txBody>
+          <a:bodyPr rtlCol="0" anchor="ctr"/>
+          <a:lstStyle/>
+          <a:p>
+            <a:pPr algn="ctr"/>
+            <a:r>
+              <a:rPr lang="en-US" sz="1600" b="1" dirty="0" smtClean="0"/>
+              <a:t>&lt;Interface&gt; Repository</a:t>
+            </a:r>
+            <a:endParaRPr lang="en-US" sz="1600" b="1" dirty="0"/>
+          </a:p>
+        </p:txBody>
+      </p:sp>
+      <p:cxnSp>
+        <p:nvCxnSpPr>
+          <p:cNvPr id="7" name="Elbow Connector 6"/>
+          <p:cNvCxnSpPr>
+            <a:stCxn id="3" idx="0"/>
+            <a:endCxn id="5" idx="2"/>
+          </p:cNvCxnSpPr>
+          <p:nvPr/>
+        </p:nvCxnSpPr>
+        <p:spPr>
+          <a:xfrm rot="5400000" flipH="1" flipV="1">
+            <a:off x="4995604" y="-1344354"/>
+            <a:ext cx="791092" cy="4775200"/>
+          </a:xfrm>
+          <a:prstGeom prst="bentConnector3">
+            <a:avLst>
+              <a:gd name="adj1" fmla="val 50000"/>
+            </a:avLst>
+          </a:prstGeom>
+          <a:ln>
+            <a:tailEnd type="triangle"/>
+          </a:ln>
+        </p:spPr>
+        <p:style>
+          <a:lnRef idx="1">
+            <a:schemeClr val="accent1"/>
+          </a:lnRef>
+          <a:fillRef idx="0">
+            <a:schemeClr val="accent1"/>
+          </a:fillRef>
+          <a:effectRef idx="0">
+            <a:schemeClr val="accent1"/>
+          </a:effectRef>
+          <a:fontRef idx="minor">
+            <a:schemeClr val="tx1"/>
+          </a:fontRef>
+        </p:style>
+      </p:cxnSp>
+      <p:graphicFrame>
+        <p:nvGraphicFramePr>
+          <p:cNvPr id="10" name="Table 9"/>
+          <p:cNvGraphicFramePr>
+            <a:graphicFrameLocks noGrp="1"/>
+          </p:cNvGraphicFramePr>
+          <p:nvPr>
+            <p:extLst/>
+          </p:nvPr>
+        </p:nvGraphicFramePr>
+        <p:xfrm>
+          <a:off x="2196352" y="4368800"/>
+          <a:ext cx="3829798" cy="951944"/>
+        </p:xfrm>
+        <a:graphic>
+          <a:graphicData uri="http://schemas.openxmlformats.org/drawingml/2006/table">
+            <a:tbl>
+              <a:tblPr firstRow="1" bandRow="1">
+                <a:tableStyleId>{5C22544A-7EE6-4342-B048-85BDC9FD1C3A}</a:tableStyleId>
+              </a:tblPr>
+              <a:tblGrid>
+                <a:gridCol w="1914899"/>
+                <a:gridCol w="1914899"/>
+              </a:tblGrid>
+              <a:tr h="197768">
+                <a:tc gridSpan="2">
+                  <a:txBody>
+                    <a:bodyPr/>
+                    <a:lstStyle/>
+                    <a:p>
+                      <a:pPr algn="ctr"/>
+                      <a:r>
+                        <a:rPr lang="en-US" sz="1200" b="1" dirty="0" smtClean="0"/>
+                        <a:t>&lt;Interface&gt; </a:t>
+                      </a:r>
+                      <a:r>
+                        <a:rPr lang="en-US" sz="1200" b="1" dirty="0" err="1" smtClean="0"/>
+                        <a:t>PagingAndSortingRepository</a:t>
+                      </a:r>
+                      <a:endParaRPr lang="en-US" sz="1200" b="1" dirty="0"/>
+                    </a:p>
+                  </a:txBody>
+                  <a:tcPr marL="55105" marR="55105" marT="27553" marB="27553"/>
+                </a:tc>
+                <a:tc hMerge="1">
+                  <a:txBody>
+                    <a:bodyPr/>
+                    <a:lstStyle/>
+                    <a:p>
+                      <a:endParaRPr lang="en-US" dirty="0"/>
+                    </a:p>
+                  </a:txBody>
+                  <a:tcPr/>
+                </a:tc>
+              </a:tr>
+              <a:tr h="207694">
+                <a:tc>
+                  <a:txBody>
+                    <a:bodyPr/>
+                    <a:lstStyle/>
+                    <a:p>
+                      <a:pPr algn="ctr"/>
+                      <a:r>
+                        <a:rPr lang="en-US" sz="1200" b="1" dirty="0" smtClean="0"/>
+                        <a:t>Method</a:t>
+                      </a:r>
+                      <a:endParaRPr lang="en-US" sz="1200" b="1" dirty="0"/>
+                    </a:p>
+                  </a:txBody>
+                  <a:tcPr marL="55105" marR="55105" marT="27553" marB="27553"/>
+                </a:tc>
+                <a:tc>
+                  <a:txBody>
+                    <a:bodyPr/>
+                    <a:lstStyle/>
+                    <a:p>
+                      <a:pPr algn="ctr"/>
+                      <a:r>
+                        <a:rPr lang="en-US" sz="1200" b="1" dirty="0" smtClean="0"/>
+                        <a:t>Return Value</a:t>
+                      </a:r>
+                      <a:endParaRPr lang="en-US" sz="1200" b="1" dirty="0"/>
+                    </a:p>
+                  </a:txBody>
+                  <a:tcPr marL="55105" marR="55105" marT="27553" marB="27553"/>
+                </a:tc>
+              </a:tr>
+              <a:tr h="207694">
+                <a:tc>
+                  <a:txBody>
+                    <a:bodyPr/>
+                    <a:lstStyle/>
+                    <a:p>
+                      <a:r>
+                        <a:rPr lang="en-US" sz="1200" b="1" dirty="0" err="1" smtClean="0"/>
+                        <a:t>FindAll</a:t>
+                      </a:r>
+                      <a:r>
+                        <a:rPr lang="en-US" sz="1200" b="1" dirty="0" smtClean="0"/>
+                        <a:t>(Sort&gt;</a:t>
+                      </a:r>
+                      <a:endParaRPr lang="en-US" sz="1200" b="1" dirty="0"/>
+                    </a:p>
+                  </a:txBody>
+                  <a:tcPr marL="55105" marR="55105" marT="27553" marB="27553"/>
+                </a:tc>
+                <a:tc>
+                  <a:txBody>
+                    <a:bodyPr/>
+                    <a:lstStyle/>
+                    <a:p>
+                      <a:r>
+                        <a:rPr lang="en-US" sz="1200" b="1" dirty="0" err="1" smtClean="0"/>
+                        <a:t>Iterable</a:t>
+                      </a:r>
+                      <a:r>
+                        <a:rPr lang="en-US" sz="1200" b="1" dirty="0" smtClean="0"/>
+                        <a:t>&lt;T&gt;</a:t>
+                      </a:r>
+                      <a:endParaRPr lang="en-US" sz="1200" b="1" dirty="0"/>
+                    </a:p>
+                  </a:txBody>
+                  <a:tcPr marL="55105" marR="55105" marT="27553" marB="27553"/>
+                </a:tc>
+              </a:tr>
+              <a:tr h="207694">
+                <a:tc>
+                  <a:txBody>
+                    <a:bodyPr/>
+                    <a:lstStyle/>
+                    <a:p>
+                      <a:r>
+                        <a:rPr lang="en-US" sz="1200" b="1" dirty="0" err="1" smtClean="0"/>
+                        <a:t>FindAll</a:t>
+                      </a:r>
+                      <a:r>
+                        <a:rPr lang="en-US" sz="1200" b="1" dirty="0" smtClean="0"/>
+                        <a:t>(</a:t>
+                      </a:r>
+                      <a:r>
+                        <a:rPr lang="en-US" sz="1200" b="1" dirty="0" err="1" smtClean="0"/>
+                        <a:t>Pageable</a:t>
+                      </a:r>
+                      <a:r>
+                        <a:rPr lang="en-US" sz="1200" b="1" dirty="0" smtClean="0"/>
+                        <a:t>)</a:t>
+                      </a:r>
+                      <a:endParaRPr lang="en-US" sz="1200" b="1" dirty="0"/>
+                    </a:p>
+                  </a:txBody>
+                  <a:tcPr marL="55105" marR="55105" marT="27553" marB="27553"/>
+                </a:tc>
+                <a:tc>
+                  <a:txBody>
+                    <a:bodyPr/>
+                    <a:lstStyle/>
+                    <a:p>
+                      <a:r>
+                        <a:rPr lang="en-US" sz="1200" b="1" dirty="0" smtClean="0"/>
+                        <a:t>Page&lt;T&gt;</a:t>
+                      </a:r>
+                      <a:endParaRPr lang="en-US" sz="1200" b="1" dirty="0"/>
+                    </a:p>
+                  </a:txBody>
+                  <a:tcPr marL="55105" marR="55105" marT="27553" marB="27553"/>
+                </a:tc>
+              </a:tr>
+            </a:tbl>
+          </a:graphicData>
+        </a:graphic>
+      </p:graphicFrame>
+      <p:cxnSp>
+        <p:nvCxnSpPr>
+          <p:cNvPr id="12" name="Elbow Connector 11"/>
+          <p:cNvCxnSpPr>
+            <a:stCxn id="10" idx="1"/>
+            <a:endCxn id="3" idx="2"/>
+          </p:cNvCxnSpPr>
+          <p:nvPr/>
+        </p:nvCxnSpPr>
+        <p:spPr>
+          <a:xfrm rot="10800000" flipH="1">
+            <a:off x="2196352" y="3898898"/>
+            <a:ext cx="807198" cy="945875"/>
+          </a:xfrm>
+          <a:prstGeom prst="bentConnector4">
+            <a:avLst>
+              <a:gd name="adj1" fmla="val -28320"/>
+              <a:gd name="adj2" fmla="val 75160"/>
+            </a:avLst>
+          </a:prstGeom>
+          <a:ln>
+            <a:tailEnd type="triangle"/>
+          </a:ln>
+        </p:spPr>
+        <p:style>
+          <a:lnRef idx="1">
+            <a:schemeClr val="accent1"/>
+          </a:lnRef>
+          <a:fillRef idx="0">
+            <a:schemeClr val="accent1"/>
+          </a:fillRef>
+          <a:effectRef idx="0">
+            <a:schemeClr val="accent1"/>
+          </a:effectRef>
+          <a:fontRef idx="minor">
+            <a:schemeClr val="tx1"/>
+          </a:fontRef>
+        </p:style>
+      </p:cxnSp>
+      <p:graphicFrame>
+        <p:nvGraphicFramePr>
+          <p:cNvPr id="16" name="Table 15"/>
+          <p:cNvGraphicFramePr>
+            <a:graphicFrameLocks noGrp="1"/>
+          </p:cNvGraphicFramePr>
+          <p:nvPr>
+            <p:extLst/>
+          </p:nvPr>
+        </p:nvGraphicFramePr>
+        <p:xfrm>
+          <a:off x="6228602" y="1159392"/>
+          <a:ext cx="5328398" cy="1747776"/>
+        </p:xfrm>
+        <a:graphic>
+          <a:graphicData uri="http://schemas.openxmlformats.org/drawingml/2006/table">
+            <a:tbl>
+              <a:tblPr firstRow="1" bandRow="1">
+                <a:tableStyleId>{5C22544A-7EE6-4342-B048-85BDC9FD1C3A}</a:tableStyleId>
+              </a:tblPr>
+              <a:tblGrid>
+                <a:gridCol w="2664199"/>
+                <a:gridCol w="2664199"/>
+              </a:tblGrid>
+              <a:tr h="207694">
+                <a:tc gridSpan="2">
+                  <a:txBody>
+                    <a:bodyPr/>
+                    <a:lstStyle/>
+                    <a:p>
+                      <a:pPr algn="ctr"/>
+                      <a:r>
+                        <a:rPr lang="en-US" sz="1000" b="1" dirty="0" smtClean="0"/>
+                        <a:t>&lt;Interface&gt; </a:t>
+                      </a:r>
+                      <a:r>
+                        <a:rPr lang="en-US" sz="1000" b="1" dirty="0" err="1" smtClean="0"/>
+                        <a:t>QrueryByExambleExecutor</a:t>
+                      </a:r>
+                      <a:endParaRPr lang="en-US" sz="1000" b="1" dirty="0"/>
+                    </a:p>
+                  </a:txBody>
+                  <a:tcPr marL="55105" marR="55105" marT="27553" marB="27553"/>
+                </a:tc>
+                <a:tc hMerge="1">
+                  <a:txBody>
+                    <a:bodyPr/>
+                    <a:lstStyle/>
+                    <a:p>
+                      <a:endParaRPr lang="en-US" dirty="0"/>
+                    </a:p>
+                  </a:txBody>
+                  <a:tcPr/>
+                </a:tc>
+              </a:tr>
+              <a:tr h="294858">
+                <a:tc>
+                  <a:txBody>
+                    <a:bodyPr/>
+                    <a:lstStyle/>
+                    <a:p>
+                      <a:pPr algn="ctr"/>
+                      <a:r>
+                        <a:rPr lang="en-US" sz="1000" b="1" dirty="0" smtClean="0"/>
+                        <a:t>Method</a:t>
+                      </a:r>
+                      <a:endParaRPr lang="en-US" sz="1000" b="1" dirty="0"/>
+                    </a:p>
+                  </a:txBody>
+                  <a:tcPr marL="55105" marR="55105" marT="27553" marB="27553"/>
+                </a:tc>
+                <a:tc>
+                  <a:txBody>
+                    <a:bodyPr/>
+                    <a:lstStyle/>
+                    <a:p>
+                      <a:pPr algn="ctr"/>
+                      <a:r>
+                        <a:rPr lang="en-US" sz="1000" b="1" dirty="0" smtClean="0"/>
+                        <a:t>Return Value</a:t>
+                      </a:r>
+                      <a:endParaRPr lang="en-US" sz="1000" b="1" dirty="0"/>
+                    </a:p>
+                  </a:txBody>
+                  <a:tcPr marL="55105" marR="55105" marT="27553" marB="27553"/>
+                </a:tc>
+              </a:tr>
+              <a:tr h="207694">
+                <a:tc>
+                  <a:txBody>
+                    <a:bodyPr/>
+                    <a:lstStyle/>
+                    <a:p>
+                      <a:r>
+                        <a:rPr lang="en-US" sz="1000" b="1" dirty="0" err="1" smtClean="0"/>
+                        <a:t>FindOne</a:t>
+                      </a:r>
+                      <a:r>
+                        <a:rPr lang="en-US" sz="1000" b="1" dirty="0" smtClean="0"/>
+                        <a:t>(Example&lt;S&gt;)</a:t>
+                      </a:r>
+                      <a:endParaRPr lang="en-US" sz="1000" b="1" dirty="0"/>
+                    </a:p>
+                  </a:txBody>
+                  <a:tcPr marL="55105" marR="55105" marT="27553" marB="27553"/>
+                </a:tc>
+                <a:tc>
+                  <a:txBody>
+                    <a:bodyPr/>
+                    <a:lstStyle/>
+                    <a:p>
+                      <a:r>
+                        <a:rPr lang="en-US" sz="1000" b="1" dirty="0" smtClean="0"/>
+                        <a:t>S</a:t>
+                      </a:r>
+                      <a:endParaRPr lang="en-US" sz="1000" b="1" dirty="0"/>
+                    </a:p>
+                  </a:txBody>
+                  <a:tcPr marL="55105" marR="55105" marT="27553" marB="27553"/>
+                </a:tc>
+              </a:tr>
+              <a:tr h="177160">
+                <a:tc>
+                  <a:txBody>
+                    <a:bodyPr/>
+                    <a:lstStyle/>
+                    <a:p>
+                      <a:r>
+                        <a:rPr lang="en-US" sz="1000" b="1" dirty="0" err="1" smtClean="0"/>
+                        <a:t>FindAll</a:t>
+                      </a:r>
+                      <a:r>
+                        <a:rPr lang="en-US" sz="1000" b="1" dirty="0" smtClean="0"/>
+                        <a:t>(Example&lt;S&gt;)</a:t>
+                      </a:r>
+                      <a:endParaRPr lang="en-US" sz="1000" b="1" dirty="0"/>
+                    </a:p>
+                  </a:txBody>
+                  <a:tcPr marL="55105" marR="55105" marT="27553" marB="27553"/>
+                </a:tc>
+                <a:tc>
+                  <a:txBody>
+                    <a:bodyPr/>
+                    <a:lstStyle/>
+                    <a:p>
+                      <a:r>
+                        <a:rPr lang="en-US" sz="1000" b="1" dirty="0" err="1" smtClean="0"/>
+                        <a:t>Iterable</a:t>
+                      </a:r>
+                      <a:r>
+                        <a:rPr lang="en-US" sz="1000" b="1" dirty="0" smtClean="0"/>
+                        <a:t>&lt;S&gt;</a:t>
+                      </a:r>
+                      <a:endParaRPr lang="en-US" sz="1000" b="1" dirty="0"/>
+                    </a:p>
+                  </a:txBody>
+                  <a:tcPr marL="55105" marR="55105" marT="27553" marB="27553"/>
+                </a:tc>
+              </a:tr>
+              <a:tr h="177160">
+                <a:tc>
+                  <a:txBody>
+                    <a:bodyPr/>
+                    <a:lstStyle/>
+                    <a:p>
+                      <a:pPr marL="0" marR="0" indent="0" algn="l" defTabSz="457200" rtl="0" eaLnBrk="1" fontAlgn="auto" latinLnBrk="0" hangingPunct="1">
+                        <a:lnSpc>
+                          <a:spcPct val="100000"/>
+                        </a:lnSpc>
+                        <a:spcBef>
+                          <a:spcPts val="0"/>
+                        </a:spcBef>
+                        <a:spcAft>
+                          <a:spcPts val="0"/>
+                        </a:spcAft>
+                        <a:buClrTx/>
+                        <a:buSzTx/>
+                        <a:buFontTx/>
+                        <a:buNone/>
+                        <a:tabLst/>
+                        <a:defRPr/>
+                      </a:pPr>
+                      <a:r>
+                        <a:rPr lang="en-US" sz="1000" b="1" dirty="0" err="1" smtClean="0"/>
+                        <a:t>FindAll</a:t>
+                      </a:r>
+                      <a:r>
+                        <a:rPr lang="en-US" sz="1000" b="1" dirty="0" smtClean="0"/>
+                        <a:t>(Example&lt;S&gt;,sort)</a:t>
+                      </a:r>
+                    </a:p>
+                  </a:txBody>
+                  <a:tcPr marL="55105" marR="55105" marT="27553" marB="27553"/>
+                </a:tc>
+                <a:tc>
+                  <a:txBody>
+                    <a:bodyPr/>
+                    <a:lstStyle/>
+                    <a:p>
+                      <a:pPr marL="0" marR="0" indent="0" algn="l" defTabSz="457200" rtl="0" eaLnBrk="1" fontAlgn="auto" latinLnBrk="0" hangingPunct="1">
+                        <a:lnSpc>
+                          <a:spcPct val="100000"/>
+                        </a:lnSpc>
+                        <a:spcBef>
+                          <a:spcPts val="0"/>
+                        </a:spcBef>
+                        <a:spcAft>
+                          <a:spcPts val="0"/>
+                        </a:spcAft>
+                        <a:buClrTx/>
+                        <a:buSzTx/>
+                        <a:buFontTx/>
+                        <a:buNone/>
+                        <a:tabLst/>
+                        <a:defRPr/>
+                      </a:pPr>
+                      <a:r>
+                        <a:rPr lang="en-US" sz="1000" b="1" dirty="0" err="1" smtClean="0"/>
+                        <a:t>Iterable</a:t>
+                      </a:r>
+                      <a:r>
+                        <a:rPr lang="en-US" sz="1000" b="1" dirty="0" smtClean="0"/>
+                        <a:t>&lt;S&gt;</a:t>
+                      </a:r>
+                    </a:p>
+                  </a:txBody>
+                  <a:tcPr marL="55105" marR="55105" marT="27553" marB="27553"/>
+                </a:tc>
+              </a:tr>
+              <a:tr h="177160">
+                <a:tc>
+                  <a:txBody>
+                    <a:bodyPr/>
+                    <a:lstStyle/>
+                    <a:p>
+                      <a:pPr marL="0" marR="0" indent="0" algn="l" defTabSz="457200" rtl="0" eaLnBrk="1" fontAlgn="auto" latinLnBrk="0" hangingPunct="1">
+                        <a:lnSpc>
+                          <a:spcPct val="100000"/>
+                        </a:lnSpc>
+                        <a:spcBef>
+                          <a:spcPts val="0"/>
+                        </a:spcBef>
+                        <a:spcAft>
+                          <a:spcPts val="0"/>
+                        </a:spcAft>
+                        <a:buClrTx/>
+                        <a:buSzTx/>
+                        <a:buFontTx/>
+                        <a:buNone/>
+                        <a:tabLst/>
+                        <a:defRPr/>
+                      </a:pPr>
+                      <a:r>
+                        <a:rPr lang="en-US" sz="1000" b="1" dirty="0" err="1" smtClean="0"/>
+                        <a:t>FindAll</a:t>
+                      </a:r>
+                      <a:r>
+                        <a:rPr lang="en-US" sz="1000" b="1" dirty="0" smtClean="0"/>
+                        <a:t>(Example&lt;S&gt;,</a:t>
+                      </a:r>
+                      <a:r>
+                        <a:rPr lang="en-US" sz="1000" b="1" dirty="0" err="1" smtClean="0"/>
+                        <a:t>Pageable</a:t>
+                      </a:r>
+                      <a:r>
+                        <a:rPr lang="en-US" sz="1000" b="1" dirty="0" smtClean="0"/>
+                        <a:t>)</a:t>
+                      </a:r>
+                    </a:p>
+                  </a:txBody>
+                  <a:tcPr marL="55105" marR="55105" marT="27553" marB="27553"/>
+                </a:tc>
+                <a:tc>
+                  <a:txBody>
+                    <a:bodyPr/>
+                    <a:lstStyle/>
+                    <a:p>
+                      <a:r>
+                        <a:rPr lang="en-US" sz="1000" b="1" dirty="0" smtClean="0"/>
+                        <a:t>Page&lt;S&gt;</a:t>
+                      </a:r>
+                      <a:endParaRPr lang="en-US" sz="1000" b="1" dirty="0"/>
+                    </a:p>
+                  </a:txBody>
+                  <a:tcPr marL="55105" marR="55105" marT="27553" marB="27553"/>
+                </a:tc>
+              </a:tr>
+              <a:tr h="177160">
+                <a:tc>
+                  <a:txBody>
+                    <a:bodyPr/>
+                    <a:lstStyle/>
+                    <a:p>
+                      <a:pPr marL="0" marR="0" indent="0" algn="l" defTabSz="457200" rtl="0" eaLnBrk="1" fontAlgn="auto" latinLnBrk="0" hangingPunct="1">
+                        <a:lnSpc>
+                          <a:spcPct val="100000"/>
+                        </a:lnSpc>
+                        <a:spcBef>
+                          <a:spcPts val="0"/>
+                        </a:spcBef>
+                        <a:spcAft>
+                          <a:spcPts val="0"/>
+                        </a:spcAft>
+                        <a:buClrTx/>
+                        <a:buSzTx/>
+                        <a:buFontTx/>
+                        <a:buNone/>
+                        <a:tabLst/>
+                        <a:defRPr/>
+                      </a:pPr>
+                      <a:r>
+                        <a:rPr lang="en-US" sz="1000" b="1" dirty="0" smtClean="0"/>
+                        <a:t>Count(Example&lt;S&gt;)</a:t>
+                      </a:r>
+                    </a:p>
+                  </a:txBody>
+                  <a:tcPr marL="55105" marR="55105" marT="27553" marB="27553"/>
+                </a:tc>
+                <a:tc>
+                  <a:txBody>
+                    <a:bodyPr/>
+                    <a:lstStyle/>
+                    <a:p>
+                      <a:r>
+                        <a:rPr lang="en-US" sz="1000" b="1" dirty="0" smtClean="0"/>
+                        <a:t>Long</a:t>
+                      </a:r>
+                      <a:endParaRPr lang="en-US" sz="1000" b="1" dirty="0"/>
+                    </a:p>
+                  </a:txBody>
+                  <a:tcPr marL="55105" marR="55105" marT="27553" marB="27553"/>
+                </a:tc>
+              </a:tr>
+              <a:tr h="177160">
+                <a:tc>
+                  <a:txBody>
+                    <a:bodyPr/>
+                    <a:lstStyle/>
+                    <a:p>
+                      <a:pPr marL="0" marR="0" indent="0" algn="l" defTabSz="457200" rtl="0" eaLnBrk="1" fontAlgn="auto" latinLnBrk="0" hangingPunct="1">
+                        <a:lnSpc>
+                          <a:spcPct val="100000"/>
+                        </a:lnSpc>
+                        <a:spcBef>
+                          <a:spcPts val="0"/>
+                        </a:spcBef>
+                        <a:spcAft>
+                          <a:spcPts val="0"/>
+                        </a:spcAft>
+                        <a:buClrTx/>
+                        <a:buSzTx/>
+                        <a:buFontTx/>
+                        <a:buNone/>
+                        <a:tabLst/>
+                        <a:defRPr/>
+                      </a:pPr>
+                      <a:r>
+                        <a:rPr lang="en-US" sz="1000" b="1" dirty="0" smtClean="0"/>
+                        <a:t>Exist(Example&lt;S&gt;)</a:t>
+                      </a:r>
+                    </a:p>
+                  </a:txBody>
+                  <a:tcPr marL="55105" marR="55105" marT="27553" marB="27553"/>
+                </a:tc>
+                <a:tc>
+                  <a:txBody>
+                    <a:bodyPr/>
+                    <a:lstStyle/>
+                    <a:p>
+                      <a:r>
+                        <a:rPr lang="en-US" sz="1000" b="1" dirty="0" smtClean="0"/>
+                        <a:t>Boolean</a:t>
+                      </a:r>
+                      <a:endParaRPr lang="en-US" sz="1000" b="1" dirty="0"/>
+                    </a:p>
+                  </a:txBody>
+                  <a:tcPr marL="55105" marR="55105" marT="27553" marB="27553"/>
+                </a:tc>
+              </a:tr>
+            </a:tbl>
+          </a:graphicData>
+        </a:graphic>
+      </p:graphicFrame>
+      <p:graphicFrame>
+        <p:nvGraphicFramePr>
+          <p:cNvPr id="19" name="Table 18"/>
+          <p:cNvGraphicFramePr>
+            <a:graphicFrameLocks noGrp="1"/>
+          </p:cNvGraphicFramePr>
+          <p:nvPr>
+            <p:extLst/>
+          </p:nvPr>
+        </p:nvGraphicFramePr>
+        <p:xfrm>
+          <a:off x="6558802" y="3305692"/>
+          <a:ext cx="4325098" cy="2713171"/>
+        </p:xfrm>
+        <a:graphic>
+          <a:graphicData uri="http://schemas.openxmlformats.org/drawingml/2006/table">
+            <a:tbl>
+              <a:tblPr firstRow="1" bandRow="1">
+                <a:tableStyleId>{5C22544A-7EE6-4342-B048-85BDC9FD1C3A}</a:tableStyleId>
+              </a:tblPr>
+              <a:tblGrid>
+                <a:gridCol w="2162549"/>
+                <a:gridCol w="2162549"/>
+              </a:tblGrid>
+              <a:tr h="0">
+                <a:tc gridSpan="2">
+                  <a:txBody>
+                    <a:bodyPr/>
+                    <a:lstStyle/>
+                    <a:p>
+                      <a:pPr algn="ctr"/>
+                      <a:r>
+                        <a:rPr lang="en-US" sz="1000" b="1" dirty="0" smtClean="0"/>
+                        <a:t>&lt;Interface&gt; </a:t>
+                      </a:r>
+                      <a:r>
+                        <a:rPr lang="en-US" sz="1000" b="1" dirty="0" err="1" smtClean="0"/>
+                        <a:t>JpaRepository</a:t>
+                      </a:r>
+                      <a:endParaRPr lang="en-US" sz="1000" b="1" dirty="0"/>
+                    </a:p>
+                  </a:txBody>
+                  <a:tcPr marL="55105" marR="55105" marT="27553" marB="27553"/>
+                </a:tc>
+                <a:tc hMerge="1">
+                  <a:txBody>
+                    <a:bodyPr/>
+                    <a:lstStyle/>
+                    <a:p>
+                      <a:endParaRPr lang="en-US" dirty="0"/>
+                    </a:p>
+                  </a:txBody>
+                  <a:tcPr/>
+                </a:tc>
+              </a:tr>
+              <a:tr h="223099">
+                <a:tc>
+                  <a:txBody>
+                    <a:bodyPr/>
+                    <a:lstStyle/>
+                    <a:p>
+                      <a:pPr algn="ctr"/>
+                      <a:r>
+                        <a:rPr lang="en-US" sz="1000" b="1" dirty="0" smtClean="0"/>
+                        <a:t>Method</a:t>
+                      </a:r>
+                      <a:endParaRPr lang="en-US" sz="1000" b="1" dirty="0"/>
+                    </a:p>
+                  </a:txBody>
+                  <a:tcPr marL="55105" marR="55105" marT="27553" marB="27553"/>
+                </a:tc>
+                <a:tc>
+                  <a:txBody>
+                    <a:bodyPr/>
+                    <a:lstStyle/>
+                    <a:p>
+                      <a:pPr algn="ctr"/>
+                      <a:r>
+                        <a:rPr lang="en-US" sz="1000" b="1" dirty="0" smtClean="0"/>
+                        <a:t>Return Value</a:t>
+                      </a:r>
+                      <a:endParaRPr lang="en-US" sz="1000" b="1" dirty="0"/>
+                    </a:p>
+                  </a:txBody>
+                  <a:tcPr marL="55105" marR="55105" marT="27553" marB="27553"/>
+                </a:tc>
+              </a:tr>
+              <a:tr h="180067">
+                <a:tc>
+                  <a:txBody>
+                    <a:bodyPr/>
+                    <a:lstStyle/>
+                    <a:p>
+                      <a:r>
+                        <a:rPr lang="en-US" sz="1000" b="1" dirty="0" err="1" smtClean="0"/>
+                        <a:t>findAll</a:t>
+                      </a:r>
+                      <a:r>
+                        <a:rPr lang="en-US" sz="1000" b="1" dirty="0" smtClean="0"/>
+                        <a:t>()</a:t>
+                      </a:r>
+                      <a:endParaRPr lang="en-US" sz="1000" b="1" dirty="0"/>
+                    </a:p>
+                  </a:txBody>
+                  <a:tcPr marL="55105" marR="55105" marT="27553" marB="27553"/>
+                </a:tc>
+                <a:tc>
+                  <a:txBody>
+                    <a:bodyPr/>
+                    <a:lstStyle/>
+                    <a:p>
+                      <a:r>
+                        <a:rPr lang="en-US" sz="1000" b="1" dirty="0" smtClean="0"/>
+                        <a:t>List&lt;T&gt;</a:t>
+                      </a:r>
+                      <a:endParaRPr lang="en-US" sz="1000" b="1" dirty="0"/>
+                    </a:p>
+                  </a:txBody>
+                  <a:tcPr marL="55105" marR="55105" marT="27553" marB="27553"/>
+                </a:tc>
+              </a:tr>
+              <a:tr h="180067">
+                <a:tc>
+                  <a:txBody>
+                    <a:bodyPr/>
+                    <a:lstStyle/>
+                    <a:p>
+                      <a:r>
+                        <a:rPr lang="en-US" sz="1000" b="1" dirty="0" err="1" smtClean="0"/>
+                        <a:t>findAll</a:t>
+                      </a:r>
+                      <a:r>
+                        <a:rPr lang="en-US" sz="1000" b="1" dirty="0" smtClean="0"/>
+                        <a:t>(Sort)</a:t>
+                      </a:r>
+                      <a:endParaRPr lang="en-US" sz="1000" b="1" dirty="0"/>
+                    </a:p>
+                  </a:txBody>
+                  <a:tcPr marL="55105" marR="55105" marT="27553" marB="27553"/>
+                </a:tc>
+                <a:tc>
+                  <a:txBody>
+                    <a:bodyPr/>
+                    <a:lstStyle/>
+                    <a:p>
+                      <a:r>
+                        <a:rPr lang="en-US" sz="1000" b="1" dirty="0" smtClean="0"/>
+                        <a:t>List&lt;T&gt;</a:t>
+                      </a:r>
+                      <a:endParaRPr lang="en-US" sz="1000" b="1" dirty="0"/>
+                    </a:p>
+                  </a:txBody>
+                  <a:tcPr marL="55105" marR="55105" marT="27553" marB="27553"/>
+                </a:tc>
+              </a:tr>
+              <a:tr h="180067">
+                <a:tc>
+                  <a:txBody>
+                    <a:bodyPr/>
+                    <a:lstStyle/>
+                    <a:p>
+                      <a:pPr marL="0" marR="0" indent="0" algn="l" defTabSz="457200" rtl="0" eaLnBrk="1" fontAlgn="auto" latinLnBrk="0" hangingPunct="1">
+                        <a:lnSpc>
+                          <a:spcPct val="100000"/>
+                        </a:lnSpc>
+                        <a:spcBef>
+                          <a:spcPts val="0"/>
+                        </a:spcBef>
+                        <a:spcAft>
+                          <a:spcPts val="0"/>
+                        </a:spcAft>
+                        <a:buClrTx/>
+                        <a:buSzTx/>
+                        <a:buFontTx/>
+                        <a:buNone/>
+                        <a:tabLst/>
+                        <a:defRPr/>
+                      </a:pPr>
+                      <a:r>
+                        <a:rPr lang="en-US" sz="1000" b="1" dirty="0" err="1" smtClean="0"/>
+                        <a:t>findAll</a:t>
+                      </a:r>
+                      <a:r>
+                        <a:rPr lang="en-US" sz="1000" b="1" dirty="0" smtClean="0"/>
+                        <a:t>(</a:t>
+                      </a:r>
+                      <a:r>
+                        <a:rPr lang="en-US" sz="1000" b="1" dirty="0" err="1" smtClean="0"/>
+                        <a:t>Iterable</a:t>
+                      </a:r>
+                      <a:r>
+                        <a:rPr lang="en-US" sz="1000" b="1" dirty="0" smtClean="0"/>
+                        <a:t>&lt;ID&gt;)</a:t>
+                      </a:r>
+                    </a:p>
+                  </a:txBody>
+                  <a:tcPr marL="55105" marR="55105" marT="27553" marB="27553"/>
+                </a:tc>
+                <a:tc>
+                  <a:txBody>
+                    <a:bodyPr/>
+                    <a:lstStyle/>
+                    <a:p>
+                      <a:pPr marL="0" marR="0" indent="0" algn="l" defTabSz="457200" rtl="0" eaLnBrk="1" fontAlgn="auto" latinLnBrk="0" hangingPunct="1">
+                        <a:lnSpc>
+                          <a:spcPct val="100000"/>
+                        </a:lnSpc>
+                        <a:spcBef>
+                          <a:spcPts val="0"/>
+                        </a:spcBef>
+                        <a:spcAft>
+                          <a:spcPts val="0"/>
+                        </a:spcAft>
+                        <a:buClrTx/>
+                        <a:buSzTx/>
+                        <a:buFontTx/>
+                        <a:buNone/>
+                        <a:tabLst/>
+                        <a:defRPr/>
+                      </a:pPr>
+                      <a:r>
+                        <a:rPr lang="en-US" sz="1000" b="1" dirty="0" smtClean="0"/>
+                        <a:t>List&lt;T&gt;</a:t>
+                      </a:r>
+                    </a:p>
+                  </a:txBody>
+                  <a:tcPr marL="55105" marR="55105" marT="27553" marB="27553"/>
+                </a:tc>
+              </a:tr>
+              <a:tr h="180067">
+                <a:tc>
+                  <a:txBody>
+                    <a:bodyPr/>
+                    <a:lstStyle/>
+                    <a:p>
+                      <a:pPr marL="0" marR="0" indent="0" algn="l" defTabSz="457200" rtl="0" eaLnBrk="1" fontAlgn="auto" latinLnBrk="0" hangingPunct="1">
+                        <a:lnSpc>
+                          <a:spcPct val="100000"/>
+                        </a:lnSpc>
+                        <a:spcBef>
+                          <a:spcPts val="0"/>
+                        </a:spcBef>
+                        <a:spcAft>
+                          <a:spcPts val="0"/>
+                        </a:spcAft>
+                        <a:buClrTx/>
+                        <a:buSzTx/>
+                        <a:buFontTx/>
+                        <a:buNone/>
+                        <a:tabLst/>
+                        <a:defRPr/>
+                      </a:pPr>
+                      <a:r>
+                        <a:rPr lang="en-US" sz="1000" b="1" dirty="0" smtClean="0"/>
+                        <a:t>Save(</a:t>
+                      </a:r>
+                      <a:r>
+                        <a:rPr lang="en-US" sz="1000" b="1" dirty="0" err="1" smtClean="0"/>
+                        <a:t>Iterable</a:t>
+                      </a:r>
+                      <a:r>
+                        <a:rPr lang="en-US" sz="1000" b="1" dirty="0" smtClean="0"/>
+                        <a:t>&lt;S&gt;)</a:t>
+                      </a:r>
+                    </a:p>
+                  </a:txBody>
+                  <a:tcPr marL="55105" marR="55105" marT="27553" marB="27553"/>
+                </a:tc>
+                <a:tc>
+                  <a:txBody>
+                    <a:bodyPr/>
+                    <a:lstStyle/>
+                    <a:p>
+                      <a:pPr marL="0" marR="0" indent="0" algn="l" defTabSz="457200" rtl="0" eaLnBrk="1" fontAlgn="auto" latinLnBrk="0" hangingPunct="1">
+                        <a:lnSpc>
+                          <a:spcPct val="100000"/>
+                        </a:lnSpc>
+                        <a:spcBef>
+                          <a:spcPts val="0"/>
+                        </a:spcBef>
+                        <a:spcAft>
+                          <a:spcPts val="0"/>
+                        </a:spcAft>
+                        <a:buClrTx/>
+                        <a:buSzTx/>
+                        <a:buFontTx/>
+                        <a:buNone/>
+                        <a:tabLst/>
+                        <a:defRPr/>
+                      </a:pPr>
+                      <a:r>
+                        <a:rPr lang="en-US" sz="1000" b="1" dirty="0" smtClean="0"/>
+                        <a:t>List&lt;S&gt;</a:t>
+                      </a:r>
+                    </a:p>
+                  </a:txBody>
+                  <a:tcPr marL="55105" marR="55105" marT="27553" marB="27553"/>
+                </a:tc>
+              </a:tr>
+              <a:tr h="180067">
+                <a:tc>
+                  <a:txBody>
+                    <a:bodyPr/>
+                    <a:lstStyle/>
+                    <a:p>
+                      <a:pPr marL="0" marR="0" indent="0" algn="l" defTabSz="457200" rtl="0" eaLnBrk="1" fontAlgn="auto" latinLnBrk="0" hangingPunct="1">
+                        <a:lnSpc>
+                          <a:spcPct val="100000"/>
+                        </a:lnSpc>
+                        <a:spcBef>
+                          <a:spcPts val="0"/>
+                        </a:spcBef>
+                        <a:spcAft>
+                          <a:spcPts val="0"/>
+                        </a:spcAft>
+                        <a:buClrTx/>
+                        <a:buSzTx/>
+                        <a:buFontTx/>
+                        <a:buNone/>
+                        <a:tabLst/>
+                        <a:defRPr/>
+                      </a:pPr>
+                      <a:r>
+                        <a:rPr lang="en-US" sz="1000" b="1" dirty="0" smtClean="0"/>
+                        <a:t>flush</a:t>
+                      </a:r>
+                    </a:p>
+                  </a:txBody>
+                  <a:tcPr marL="55105" marR="55105" marT="27553" marB="27553"/>
+                </a:tc>
+                <a:tc>
+                  <a:txBody>
+                    <a:bodyPr/>
+                    <a:lstStyle/>
+                    <a:p>
+                      <a:pPr marL="0" marR="0" indent="0" algn="l" defTabSz="457200" rtl="0" eaLnBrk="1" fontAlgn="auto" latinLnBrk="0" hangingPunct="1">
+                        <a:lnSpc>
+                          <a:spcPct val="100000"/>
+                        </a:lnSpc>
+                        <a:spcBef>
+                          <a:spcPts val="0"/>
+                        </a:spcBef>
+                        <a:spcAft>
+                          <a:spcPts val="0"/>
+                        </a:spcAft>
+                        <a:buClrTx/>
+                        <a:buSzTx/>
+                        <a:buFontTx/>
+                        <a:buNone/>
+                        <a:tabLst/>
+                        <a:defRPr/>
+                      </a:pPr>
+                      <a:r>
+                        <a:rPr lang="en-US" sz="1000" b="1" dirty="0" smtClean="0"/>
+                        <a:t>Void</a:t>
+                      </a:r>
+                    </a:p>
+                  </a:txBody>
+                  <a:tcPr marL="55105" marR="55105" marT="27553" marB="27553"/>
+                </a:tc>
+              </a:tr>
+              <a:tr h="180067">
+                <a:tc>
+                  <a:txBody>
+                    <a:bodyPr/>
+                    <a:lstStyle/>
+                    <a:p>
+                      <a:pPr marL="0" marR="0" indent="0" algn="l" defTabSz="457200" rtl="0" eaLnBrk="1" fontAlgn="auto" latinLnBrk="0" hangingPunct="1">
+                        <a:lnSpc>
+                          <a:spcPct val="100000"/>
+                        </a:lnSpc>
+                        <a:spcBef>
+                          <a:spcPts val="0"/>
+                        </a:spcBef>
+                        <a:spcAft>
+                          <a:spcPts val="0"/>
+                        </a:spcAft>
+                        <a:buClrTx/>
+                        <a:buSzTx/>
+                        <a:buFontTx/>
+                        <a:buNone/>
+                        <a:tabLst/>
+                        <a:defRPr/>
+                      </a:pPr>
+                      <a:r>
+                        <a:rPr lang="en-US" sz="1000" b="1" dirty="0" err="1" smtClean="0"/>
+                        <a:t>saveAndFlush</a:t>
+                      </a:r>
+                      <a:r>
+                        <a:rPr lang="en-US" sz="1000" b="1" dirty="0" smtClean="0"/>
+                        <a:t>(S)</a:t>
+                      </a:r>
+                    </a:p>
+                  </a:txBody>
+                  <a:tcPr marL="55105" marR="55105" marT="27553" marB="27553"/>
+                </a:tc>
+                <a:tc>
+                  <a:txBody>
+                    <a:bodyPr/>
+                    <a:lstStyle/>
+                    <a:p>
+                      <a:r>
+                        <a:rPr lang="en-US" sz="1000" b="1" dirty="0" smtClean="0"/>
+                        <a:t>S</a:t>
+                      </a:r>
+                      <a:endParaRPr lang="en-US" sz="1000" b="1" dirty="0"/>
+                    </a:p>
+                  </a:txBody>
+                  <a:tcPr marL="55105" marR="55105" marT="27553" marB="27553"/>
+                </a:tc>
+              </a:tr>
+              <a:tr h="180067">
+                <a:tc>
+                  <a:txBody>
+                    <a:bodyPr/>
+                    <a:lstStyle/>
+                    <a:p>
+                      <a:pPr marL="0" marR="0" indent="0" algn="l" defTabSz="457200" rtl="0" eaLnBrk="1" fontAlgn="auto" latinLnBrk="0" hangingPunct="1">
+                        <a:lnSpc>
+                          <a:spcPct val="100000"/>
+                        </a:lnSpc>
+                        <a:spcBef>
+                          <a:spcPts val="0"/>
+                        </a:spcBef>
+                        <a:spcAft>
+                          <a:spcPts val="0"/>
+                        </a:spcAft>
+                        <a:buClrTx/>
+                        <a:buSzTx/>
+                        <a:buFontTx/>
+                        <a:buNone/>
+                        <a:tabLst/>
+                        <a:defRPr/>
+                      </a:pPr>
+                      <a:r>
+                        <a:rPr lang="en-US" sz="1000" b="1" dirty="0" err="1" smtClean="0"/>
+                        <a:t>deleteInBatch</a:t>
+                      </a:r>
+                      <a:r>
+                        <a:rPr lang="en-US" sz="1000" b="1" dirty="0" smtClean="0"/>
+                        <a:t>(</a:t>
+                      </a:r>
+                      <a:r>
+                        <a:rPr lang="en-US" sz="1000" b="1" dirty="0" err="1" smtClean="0"/>
+                        <a:t>Iterable</a:t>
+                      </a:r>
+                      <a:r>
+                        <a:rPr lang="en-US" sz="1000" b="1" dirty="0" smtClean="0"/>
+                        <a:t>&lt;T&gt;)</a:t>
+                      </a:r>
+                    </a:p>
+                  </a:txBody>
+                  <a:tcPr marL="55105" marR="55105" marT="27553" marB="27553"/>
+                </a:tc>
+                <a:tc>
+                  <a:txBody>
+                    <a:bodyPr/>
+                    <a:lstStyle/>
+                    <a:p>
+                      <a:r>
+                        <a:rPr lang="en-US" sz="1000" b="1" dirty="0" smtClean="0"/>
+                        <a:t>Void</a:t>
+                      </a:r>
+                      <a:endParaRPr lang="en-US" sz="1000" b="1" dirty="0"/>
+                    </a:p>
+                  </a:txBody>
+                  <a:tcPr marL="55105" marR="55105" marT="27553" marB="27553"/>
+                </a:tc>
+              </a:tr>
+              <a:tr h="180067">
+                <a:tc>
+                  <a:txBody>
+                    <a:bodyPr/>
+                    <a:lstStyle/>
+                    <a:p>
+                      <a:pPr marL="0" marR="0" indent="0" algn="l" defTabSz="457200" rtl="0" eaLnBrk="1" fontAlgn="auto" latinLnBrk="0" hangingPunct="1">
+                        <a:lnSpc>
+                          <a:spcPct val="100000"/>
+                        </a:lnSpc>
+                        <a:spcBef>
+                          <a:spcPts val="0"/>
+                        </a:spcBef>
+                        <a:spcAft>
+                          <a:spcPts val="0"/>
+                        </a:spcAft>
+                        <a:buClrTx/>
+                        <a:buSzTx/>
+                        <a:buFontTx/>
+                        <a:buNone/>
+                        <a:tabLst/>
+                        <a:defRPr/>
+                      </a:pPr>
+                      <a:r>
+                        <a:rPr lang="en-US" sz="1000" b="1" dirty="0" err="1" smtClean="0"/>
+                        <a:t>deleteInBatch</a:t>
+                      </a:r>
+                      <a:r>
+                        <a:rPr lang="en-US" sz="1000" b="1" dirty="0" smtClean="0"/>
+                        <a:t>()</a:t>
+                      </a:r>
+                    </a:p>
+                  </a:txBody>
+                  <a:tcPr marL="55105" marR="55105" marT="27553" marB="27553"/>
+                </a:tc>
+                <a:tc>
+                  <a:txBody>
+                    <a:bodyPr/>
+                    <a:lstStyle/>
+                    <a:p>
+                      <a:r>
+                        <a:rPr lang="en-US" sz="1000" b="1" dirty="0" smtClean="0"/>
+                        <a:t>Void</a:t>
+                      </a:r>
+                      <a:endParaRPr lang="en-US" sz="1000" b="1" dirty="0"/>
+                    </a:p>
+                  </a:txBody>
+                  <a:tcPr marL="55105" marR="55105" marT="27553" marB="27553"/>
+                </a:tc>
+              </a:tr>
+              <a:tr h="180067">
+                <a:tc>
+                  <a:txBody>
+                    <a:bodyPr/>
+                    <a:lstStyle/>
+                    <a:p>
+                      <a:pPr marL="0" marR="0" indent="0" algn="l" defTabSz="457200" rtl="0" eaLnBrk="1" fontAlgn="auto" latinLnBrk="0" hangingPunct="1">
+                        <a:lnSpc>
+                          <a:spcPct val="100000"/>
+                        </a:lnSpc>
+                        <a:spcBef>
+                          <a:spcPts val="0"/>
+                        </a:spcBef>
+                        <a:spcAft>
+                          <a:spcPts val="0"/>
+                        </a:spcAft>
+                        <a:buClrTx/>
+                        <a:buSzTx/>
+                        <a:buFontTx/>
+                        <a:buNone/>
+                        <a:tabLst/>
+                        <a:defRPr/>
+                      </a:pPr>
+                      <a:r>
+                        <a:rPr lang="en-US" sz="1000" b="1" dirty="0" err="1" smtClean="0"/>
+                        <a:t>getOne</a:t>
+                      </a:r>
+                      <a:r>
+                        <a:rPr lang="en-US" sz="1000" b="1" dirty="0" smtClean="0"/>
+                        <a:t>(ID)</a:t>
+                      </a:r>
+                    </a:p>
+                  </a:txBody>
+                  <a:tcPr marL="55105" marR="55105" marT="27553" marB="27553"/>
+                </a:tc>
+                <a:tc>
+                  <a:txBody>
+                    <a:bodyPr/>
+                    <a:lstStyle/>
+                    <a:p>
+                      <a:r>
+                        <a:rPr lang="en-US" sz="1000" b="1" dirty="0" smtClean="0"/>
+                        <a:t>T</a:t>
+                      </a:r>
+                      <a:endParaRPr lang="en-US" sz="1000" b="1" dirty="0"/>
+                    </a:p>
+                  </a:txBody>
+                  <a:tcPr marL="55105" marR="55105" marT="27553" marB="27553"/>
+                </a:tc>
+              </a:tr>
+              <a:tr h="180067">
+                <a:tc>
+                  <a:txBody>
+                    <a:bodyPr/>
+                    <a:lstStyle/>
+                    <a:p>
+                      <a:pPr marL="0" marR="0" indent="0" algn="l" defTabSz="457200" rtl="0" eaLnBrk="1" fontAlgn="auto" latinLnBrk="0" hangingPunct="1">
+                        <a:lnSpc>
+                          <a:spcPct val="100000"/>
+                        </a:lnSpc>
+                        <a:spcBef>
+                          <a:spcPts val="0"/>
+                        </a:spcBef>
+                        <a:spcAft>
+                          <a:spcPts val="0"/>
+                        </a:spcAft>
+                        <a:buClrTx/>
+                        <a:buSzTx/>
+                        <a:buFontTx/>
+                        <a:buNone/>
+                        <a:tabLst/>
+                        <a:defRPr/>
+                      </a:pPr>
+                      <a:r>
+                        <a:rPr lang="en-US" sz="1000" b="1" dirty="0" err="1" smtClean="0"/>
+                        <a:t>findAll</a:t>
+                      </a:r>
+                      <a:r>
+                        <a:rPr lang="en-US" sz="1000" b="1" dirty="0" smtClean="0"/>
+                        <a:t>(Example&lt;S&gt;)</a:t>
+                      </a:r>
+                    </a:p>
+                  </a:txBody>
+                  <a:tcPr marL="55105" marR="55105" marT="27553" marB="27553"/>
+                </a:tc>
+                <a:tc>
+                  <a:txBody>
+                    <a:bodyPr/>
+                    <a:lstStyle/>
+                    <a:p>
+                      <a:r>
+                        <a:rPr lang="en-US" sz="1000" b="1" dirty="0" smtClean="0"/>
+                        <a:t>List&lt;S&gt;</a:t>
+                      </a:r>
+                      <a:endParaRPr lang="en-US" sz="1000" b="1" dirty="0"/>
+                    </a:p>
+                  </a:txBody>
+                  <a:tcPr marL="55105" marR="55105" marT="27553" marB="27553"/>
+                </a:tc>
+              </a:tr>
+              <a:tr h="180067">
+                <a:tc>
+                  <a:txBody>
+                    <a:bodyPr/>
+                    <a:lstStyle/>
+                    <a:p>
+                      <a:pPr marL="0" marR="0" indent="0" algn="l" defTabSz="457200" rtl="0" eaLnBrk="1" fontAlgn="auto" latinLnBrk="0" hangingPunct="1">
+                        <a:lnSpc>
+                          <a:spcPct val="100000"/>
+                        </a:lnSpc>
+                        <a:spcBef>
+                          <a:spcPts val="0"/>
+                        </a:spcBef>
+                        <a:spcAft>
+                          <a:spcPts val="0"/>
+                        </a:spcAft>
+                        <a:buClrTx/>
+                        <a:buSzTx/>
+                        <a:buFontTx/>
+                        <a:buNone/>
+                        <a:tabLst/>
+                        <a:defRPr/>
+                      </a:pPr>
+                      <a:r>
+                        <a:rPr lang="en-US" sz="1000" b="1" dirty="0" err="1" smtClean="0"/>
+                        <a:t>findAll</a:t>
+                      </a:r>
+                      <a:r>
+                        <a:rPr lang="en-US" sz="1000" b="1" dirty="0" smtClean="0"/>
+                        <a:t>(Example&lt;S&gt;,Sort&gt;</a:t>
+                      </a:r>
+                    </a:p>
+                  </a:txBody>
+                  <a:tcPr marL="55105" marR="55105" marT="27553" marB="27553"/>
+                </a:tc>
+                <a:tc>
+                  <a:txBody>
+                    <a:bodyPr/>
+                    <a:lstStyle/>
+                    <a:p>
+                      <a:r>
+                        <a:rPr lang="en-US" sz="1000" b="1" dirty="0" smtClean="0"/>
+                        <a:t>List&lt;S&gt;</a:t>
+                      </a:r>
+                      <a:endParaRPr lang="en-US" sz="1000" b="1" dirty="0"/>
+                    </a:p>
+                  </a:txBody>
+                  <a:tcPr marL="55105" marR="55105" marT="27553" marB="27553"/>
+                </a:tc>
+              </a:tr>
+            </a:tbl>
+          </a:graphicData>
+        </a:graphic>
+      </p:graphicFrame>
+      <p:cxnSp>
+        <p:nvCxnSpPr>
+          <p:cNvPr id="21" name="Elbow Connector 20"/>
+          <p:cNvCxnSpPr>
+            <a:endCxn id="16" idx="2"/>
+          </p:cNvCxnSpPr>
+          <p:nvPr/>
+        </p:nvCxnSpPr>
+        <p:spPr>
+          <a:xfrm rot="5400000" flipH="1" flipV="1">
+            <a:off x="8598734" y="3020634"/>
+            <a:ext cx="407532" cy="180601"/>
+          </a:xfrm>
+          <a:prstGeom prst="bentConnector3">
+            <a:avLst/>
+          </a:prstGeom>
+          <a:ln>
+            <a:tailEnd type="triangle"/>
+          </a:ln>
+        </p:spPr>
+        <p:style>
+          <a:lnRef idx="1">
+            <a:schemeClr val="accent1"/>
+          </a:lnRef>
+          <a:fillRef idx="0">
+            <a:schemeClr val="accent1"/>
+          </a:fillRef>
+          <a:effectRef idx="0">
+            <a:schemeClr val="accent1"/>
+          </a:effectRef>
+          <a:fontRef idx="minor">
+            <a:schemeClr val="tx1"/>
+          </a:fontRef>
+        </p:style>
+      </p:cxnSp>
+      <p:cxnSp>
+        <p:nvCxnSpPr>
+          <p:cNvPr id="23" name="Elbow Connector 22"/>
+          <p:cNvCxnSpPr>
+            <a:stCxn id="19" idx="1"/>
+            <a:endCxn id="10" idx="3"/>
+          </p:cNvCxnSpPr>
+          <p:nvPr/>
+        </p:nvCxnSpPr>
+        <p:spPr>
+          <a:xfrm rot="10800000" flipV="1">
+            <a:off x="6026150" y="4662276"/>
+            <a:ext cx="532652" cy="182495"/>
+          </a:xfrm>
+          <a:prstGeom prst="bentConnector3">
+            <a:avLst/>
+          </a:prstGeom>
+          <a:ln>
+            <a:tailEnd type="triangle"/>
+          </a:ln>
+        </p:spPr>
+        <p:style>
+          <a:lnRef idx="1">
+            <a:schemeClr val="accent1"/>
+          </a:lnRef>
+          <a:fillRef idx="0">
+            <a:schemeClr val="accent1"/>
+          </a:fillRef>
+          <a:effectRef idx="0">
+            <a:schemeClr val="accent1"/>
+          </a:effectRef>
+          <a:fontRef idx="minor">
+            <a:schemeClr val="tx1"/>
+          </a:fontRef>
+        </p:style>
+      </p:cxnSp>
+    </p:spTree>
+    <p:extLst>
+      <p:ext uri="{BB962C8B-B14F-4D97-AF65-F5344CB8AC3E}">
+        <p14:creationId xmlns:p14="http://schemas.microsoft.com/office/powerpoint/2010/main" val="984062145"/>
+      </p:ext>
+    </p:extLst>
+  </p:cSld>
+  <p:clrMapOvr>
+    <a:masterClrMapping/>
+  </p:clrMapOvr>
+  <p:timing>
+    <p:tnLst>
+      <p:par>
+        <p:cTn id="1" dur="indefinite" restart="never" nodeType="tmRoot"/>
+      </p:par>
+    </p:tnLst>
+  </p:timing>
+</p:sld>
+</file>
+
+<file path=ppt/slides/slide17.xml><?xml version="1.0" encoding="utf-8"?>
+<p:sld xmlns:a="http://schemas.openxmlformats.org/drawingml/2006/main" xmlns:r="http://schemas.openxmlformats.org/officeDocument/2006/relationships" xmlns:p="http://schemas.openxmlformats.org/presentationml/2006/main">
+  <p:cSld>
+    <p:spTree>
+      <p:nvGrpSpPr>
+        <p:cNvPr id="1" name=""/>
+        <p:cNvGrpSpPr/>
+        <p:nvPr/>
+      </p:nvGrpSpPr>
+      <p:grpSpPr>
+        <a:xfrm>
+          <a:off x="0" y="0"/>
+          <a:ext cx="0" cy="0"/>
+          <a:chOff x="0" y="0"/>
+          <a:chExt cx="0" cy="0"/>
+        </a:xfrm>
+      </p:grpSpPr>
+      <p:sp>
+        <p:nvSpPr>
+          <p:cNvPr id="2" name="Title 1"/>
+          <p:cNvSpPr>
+            <a:spLocks noGrp="1"/>
+          </p:cNvSpPr>
+          <p:nvPr>
+            <p:ph type="title"/>
+          </p:nvPr>
+        </p:nvSpPr>
+        <p:spPr/>
+        <p:txBody>
+          <a:bodyPr/>
+          <a:lstStyle/>
+          <a:p>
+            <a:r>
+              <a:rPr lang="en-US" dirty="0" smtClean="0">
+                <a:ea typeface="Roboto" panose="02000000000000000000" pitchFamily="2" charset="0"/>
+              </a:rPr>
+              <a:t>4.</a:t>
+            </a:r>
+            <a:r>
+              <a:rPr lang="en-US" dirty="0">
+                <a:ea typeface="Roboto" panose="02000000000000000000" pitchFamily="2" charset="0"/>
+              </a:rPr>
+              <a:t>	</a:t>
+            </a:r>
+            <a:r>
+              <a:rPr lang="en-US" dirty="0" smtClean="0">
+                <a:ea typeface="Roboto" panose="02000000000000000000" pitchFamily="2" charset="0"/>
+              </a:rPr>
+              <a:t>Demo Code</a:t>
+            </a:r>
+            <a:endParaRPr lang="en-US" dirty="0">
+              <a:ea typeface="Roboto" panose="02000000000000000000" pitchFamily="2" charset="0"/>
+            </a:endParaRPr>
+          </a:p>
+        </p:txBody>
+      </p:sp>
+    </p:spTree>
+    <p:extLst>
+      <p:ext uri="{BB962C8B-B14F-4D97-AF65-F5344CB8AC3E}">
+        <p14:creationId xmlns:p14="http://schemas.microsoft.com/office/powerpoint/2010/main" val="4084701846"/>
+      </p:ext>
+    </p:extLst>
+  </p:cSld>
+  <p:clrMapOvr>
+    <a:masterClrMapping/>
+  </p:clrMapOvr>
+  <p:timing>
+    <p:tnLst>
+      <p:par>
+        <p:cTn id="1" dur="indefinite" restart="never" nodeType="tmRoot"/>
+      </p:par>
+    </p:tnLst>
+  </p:timing>
+</p:sld>
+</file>
+
+<file path=ppt/slides/slide18.xml><?xml version="1.0" encoding="utf-8"?>
+<p:sld xmlns:a="http://schemas.openxmlformats.org/drawingml/2006/main" xmlns:r="http://schemas.openxmlformats.org/officeDocument/2006/relationships" xmlns:p="http://schemas.openxmlformats.org/presentationml/2006/main">
+  <p:cSld>
+    <p:spTree>
+      <p:nvGrpSpPr>
+        <p:cNvPr id="1" name=""/>
+        <p:cNvGrpSpPr/>
+        <p:nvPr/>
+      </p:nvGrpSpPr>
+      <p:grpSpPr>
+        <a:xfrm>
+          <a:off x="0" y="0"/>
+          <a:ext cx="0" cy="0"/>
+          <a:chOff x="0" y="0"/>
+          <a:chExt cx="0" cy="0"/>
+        </a:xfrm>
+      </p:grpSpPr>
+      <p:sp>
+        <p:nvSpPr>
+          <p:cNvPr id="2" name="Title 1"/>
+          <p:cNvSpPr>
+            <a:spLocks noGrp="1"/>
+          </p:cNvSpPr>
+          <p:nvPr>
+            <p:ph type="title"/>
+          </p:nvPr>
+        </p:nvSpPr>
+        <p:spPr/>
+        <p:txBody>
+          <a:bodyPr/>
+          <a:lstStyle/>
+          <a:p>
+            <a:r>
+              <a:rPr lang="en-US" dirty="0" smtClean="0">
+                <a:ea typeface="Roboto" panose="02000000000000000000" pitchFamily="2" charset="0"/>
+              </a:rPr>
+              <a:t>5.</a:t>
+            </a:r>
+            <a:r>
+              <a:rPr lang="en-US" dirty="0">
+                <a:ea typeface="Roboto" panose="02000000000000000000" pitchFamily="2" charset="0"/>
+              </a:rPr>
+              <a:t>	</a:t>
+            </a:r>
+            <a:r>
+              <a:rPr lang="en-US" dirty="0" smtClean="0">
+                <a:ea typeface="Roboto" panose="02000000000000000000" pitchFamily="2" charset="0"/>
+              </a:rPr>
+              <a:t>Spring </a:t>
+            </a:r>
+            <a:r>
+              <a:rPr lang="en-US" dirty="0" err="1" smtClean="0">
+                <a:ea typeface="Roboto" panose="02000000000000000000" pitchFamily="2" charset="0"/>
+              </a:rPr>
+              <a:t>DataJPA</a:t>
+            </a:r>
+            <a:r>
+              <a:rPr lang="en-US" dirty="0" err="1" smtClean="0">
+                <a:ea typeface="Roboto" panose="02000000000000000000" pitchFamily="2" charset="0"/>
+              </a:rPr>
+              <a:t>Test</a:t>
+            </a:r>
+            <a:endParaRPr lang="en-US" dirty="0">
+              <a:ea typeface="Roboto" panose="02000000000000000000" pitchFamily="2" charset="0"/>
+            </a:endParaRPr>
+          </a:p>
+        </p:txBody>
+      </p:sp>
+      <p:pic>
+        <p:nvPicPr>
+          <p:cNvPr id="3" name="Picture 2"/>
+          <p:cNvPicPr>
+            <a:picLocks noChangeAspect="1"/>
+          </p:cNvPicPr>
+          <p:nvPr/>
+        </p:nvPicPr>
+        <p:blipFill>
+          <a:blip r:embed="rId2"/>
+          <a:stretch>
+            <a:fillRect/>
+          </a:stretch>
+        </p:blipFill>
+        <p:spPr>
+          <a:xfrm>
+            <a:off x="1154953" y="1548649"/>
+            <a:ext cx="5020376" cy="1657581"/>
+          </a:xfrm>
+          <a:prstGeom prst="rect">
+            <a:avLst/>
+          </a:prstGeom>
+        </p:spPr>
+      </p:pic>
+      <p:sp>
+        <p:nvSpPr>
+          <p:cNvPr id="4" name="TextBox 3"/>
+          <p:cNvSpPr txBox="1"/>
+          <p:nvPr/>
+        </p:nvSpPr>
+        <p:spPr>
+          <a:xfrm>
+            <a:off x="1772521" y="3238543"/>
+            <a:ext cx="8805616" cy="954107"/>
+          </a:xfrm>
+          <a:prstGeom prst="rect">
+            <a:avLst/>
+          </a:prstGeom>
+          <a:noFill/>
+        </p:spPr>
+        <p:txBody>
+          <a:bodyPr wrap="none" rtlCol="0">
+            <a:spAutoFit/>
+          </a:bodyPr>
+          <a:lstStyle/>
+          <a:p>
+            <a:r>
+              <a:rPr lang="en-US" sz="1400" b="1" dirty="0"/>
+              <a:t>@</a:t>
+            </a:r>
+            <a:r>
+              <a:rPr lang="en-US" sz="1400" b="1" dirty="0" err="1"/>
+              <a:t>DataJpaTest</a:t>
+            </a:r>
+            <a:r>
+              <a:rPr lang="en-US" sz="1400" b="1" dirty="0"/>
+              <a:t> </a:t>
+            </a:r>
+            <a:r>
+              <a:rPr lang="en-US" sz="1400" dirty="0"/>
+              <a:t>is used to test JPA repositories. </a:t>
+            </a:r>
+            <a:endParaRPr lang="en-US" sz="1400" dirty="0" smtClean="0"/>
+          </a:p>
+          <a:p>
+            <a:r>
+              <a:rPr lang="en-US" sz="1400" dirty="0" smtClean="0"/>
+              <a:t>It </a:t>
+            </a:r>
+            <a:r>
+              <a:rPr lang="en-US" sz="1400" dirty="0"/>
+              <a:t>is used in combination with </a:t>
+            </a:r>
+            <a:r>
+              <a:rPr lang="en-US" sz="1400" b="1" dirty="0"/>
+              <a:t>@</a:t>
+            </a:r>
+            <a:r>
+              <a:rPr lang="en-US" sz="1400" b="1" dirty="0" err="1"/>
+              <a:t>RunWith</a:t>
+            </a:r>
+            <a:r>
+              <a:rPr lang="en-US" sz="1400" b="1" dirty="0"/>
+              <a:t>(</a:t>
+            </a:r>
+            <a:r>
+              <a:rPr lang="en-US" sz="1400" b="1" dirty="0" err="1"/>
+              <a:t>SpringRunner.class</a:t>
+            </a:r>
+            <a:r>
+              <a:rPr lang="en-US" sz="1400" dirty="0"/>
+              <a:t>). </a:t>
+            </a:r>
+            <a:endParaRPr lang="en-US" sz="1400" dirty="0" smtClean="0"/>
+          </a:p>
+          <a:p>
+            <a:r>
+              <a:rPr lang="en-US" sz="1400" dirty="0" smtClean="0"/>
+              <a:t>The </a:t>
+            </a:r>
+            <a:r>
+              <a:rPr lang="en-US" sz="1400" dirty="0"/>
+              <a:t>annotation disables full auto-configuration and applies only configuration relevant to JPA tests. </a:t>
+            </a:r>
+            <a:endParaRPr lang="en-US" sz="1400" dirty="0" smtClean="0"/>
+          </a:p>
+          <a:p>
+            <a:r>
+              <a:rPr lang="en-US" sz="1400" dirty="0" smtClean="0"/>
+              <a:t>By </a:t>
+            </a:r>
+            <a:r>
+              <a:rPr lang="en-US" sz="1400" dirty="0"/>
+              <a:t>default, tests annotated with</a:t>
+            </a:r>
+            <a:r>
+              <a:rPr lang="en-US" sz="1400" b="1" dirty="0"/>
+              <a:t> @</a:t>
+            </a:r>
+            <a:r>
+              <a:rPr lang="en-US" sz="1400" b="1" dirty="0" err="1"/>
+              <a:t>DataJpaTest</a:t>
+            </a:r>
+            <a:r>
+              <a:rPr lang="en-US" sz="1400" b="1" dirty="0"/>
+              <a:t> </a:t>
+            </a:r>
+            <a:r>
+              <a:rPr lang="en-US" sz="1400" dirty="0"/>
+              <a:t>use an embedded in-memory database.</a:t>
+            </a:r>
+          </a:p>
+        </p:txBody>
+      </p:sp>
+    </p:spTree>
+    <p:extLst>
+      <p:ext uri="{BB962C8B-B14F-4D97-AF65-F5344CB8AC3E}">
+        <p14:creationId xmlns:p14="http://schemas.microsoft.com/office/powerpoint/2010/main" val="2776564321"/>
+      </p:ext>
+    </p:extLst>
+  </p:cSld>
+  <p:clrMapOvr>
+    <a:masterClrMapping/>
+  </p:clrMapOvr>
+  <p:timing>
+    <p:tnLst>
+      <p:par>
+        <p:cTn id="1" dur="indefinite" restart="never" nodeType="tmRoot"/>
+      </p:par>
+    </p:tnLst>
+  </p:timing>
+</p:sld>
+</file>
+
+<file path=ppt/slides/slide19.xml><?xml version="1.0" encoding="utf-8"?>
+<p:sld xmlns:a="http://schemas.openxmlformats.org/drawingml/2006/main" xmlns:r="http://schemas.openxmlformats.org/officeDocument/2006/relationships" xmlns:p="http://schemas.openxmlformats.org/presentationml/2006/main">
+  <p:cSld>
+    <p:spTree>
+      <p:nvGrpSpPr>
+        <p:cNvPr id="1" name=""/>
+        <p:cNvGrpSpPr/>
+        <p:nvPr/>
+      </p:nvGrpSpPr>
+      <p:grpSpPr>
+        <a:xfrm>
+          <a:off x="0" y="0"/>
+          <a:ext cx="0" cy="0"/>
+          <a:chOff x="0" y="0"/>
+          <a:chExt cx="0" cy="0"/>
+        </a:xfrm>
+      </p:grpSpPr>
       <p:pic>
         <p:nvPicPr>
           <p:cNvPr id="1028" name="Picture 4" descr="Flat Lay Photography of Macbook Pro Beside White Spiral Notebook and Green Mug"/>
@@ -19288,7 +23169,7 @@
         <p:spPr>
           <a:xfrm>
             <a:off x="1377977" y="1438481"/>
-            <a:ext cx="8668993" cy="2431435"/>
+            <a:ext cx="8668993" cy="4401205"/>
           </a:xfrm>
           <a:prstGeom prst="rect">
             <a:avLst/>
@@ -19507,8 +23388,200 @@
                 <a:latin typeface="+mj-lt"/>
                 <a:ea typeface="Roboto" panose="02000000000000000000" pitchFamily="2" charset="0"/>
               </a:rPr>
-              <a:t>Table Relationship</a:t>
-            </a:r>
+              <a:t>Spring Repository</a:t>
+            </a:r>
+          </a:p>
+          <a:p>
+            <a:pPr lvl="1"/>
+            <a:r>
+              <a:rPr lang="en-US" sz="2000" dirty="0" smtClean="0">
+                <a:solidFill>
+                  <a:schemeClr val="tx1">
+                    <a:lumMod val="75000"/>
+                    <a:lumOff val="25000"/>
+                  </a:schemeClr>
+                </a:solidFill>
+                <a:latin typeface="+mj-lt"/>
+                <a:ea typeface="Roboto" panose="02000000000000000000" pitchFamily="2" charset="0"/>
+              </a:rPr>
+              <a:t>3.1   Concept</a:t>
+            </a:r>
+          </a:p>
+          <a:p>
+            <a:pPr lvl="1"/>
+            <a:r>
+              <a:rPr lang="en-US" sz="2000" dirty="0" smtClean="0">
+                <a:solidFill>
+                  <a:schemeClr val="tx1">
+                    <a:lumMod val="75000"/>
+                    <a:lumOff val="25000"/>
+                  </a:schemeClr>
+                </a:solidFill>
+                <a:latin typeface="+mj-lt"/>
+                <a:ea typeface="Roboto" panose="02000000000000000000" pitchFamily="2" charset="0"/>
+              </a:rPr>
+              <a:t>3.2   </a:t>
+            </a:r>
+            <a:r>
+              <a:rPr lang="en-US" sz="2000" dirty="0" err="1" smtClean="0">
+                <a:solidFill>
+                  <a:schemeClr val="tx1">
+                    <a:lumMod val="75000"/>
+                    <a:lumOff val="25000"/>
+                  </a:schemeClr>
+                </a:solidFill>
+                <a:latin typeface="+mj-lt"/>
+                <a:ea typeface="Roboto" panose="02000000000000000000" pitchFamily="2" charset="0"/>
+              </a:rPr>
+              <a:t>CRUDRepository</a:t>
+            </a:r>
+            <a:endParaRPr lang="en-US" sz="2000" dirty="0" smtClean="0">
+              <a:solidFill>
+                <a:schemeClr val="tx1">
+                  <a:lumMod val="75000"/>
+                  <a:lumOff val="25000"/>
+                </a:schemeClr>
+              </a:solidFill>
+              <a:latin typeface="+mj-lt"/>
+              <a:ea typeface="Roboto" panose="02000000000000000000" pitchFamily="2" charset="0"/>
+            </a:endParaRPr>
+          </a:p>
+          <a:p>
+            <a:pPr lvl="1"/>
+            <a:r>
+              <a:rPr lang="en-US" sz="2000" dirty="0" smtClean="0">
+                <a:solidFill>
+                  <a:schemeClr val="tx1">
+                    <a:lumMod val="75000"/>
+                    <a:lumOff val="25000"/>
+                  </a:schemeClr>
+                </a:solidFill>
+                <a:latin typeface="+mj-lt"/>
+                <a:ea typeface="Roboto" panose="02000000000000000000" pitchFamily="2" charset="0"/>
+              </a:rPr>
+              <a:t>3.3   </a:t>
+            </a:r>
+            <a:r>
+              <a:rPr lang="en-US" sz="2000" dirty="0" err="1" smtClean="0">
+                <a:solidFill>
+                  <a:schemeClr val="tx1">
+                    <a:lumMod val="75000"/>
+                    <a:lumOff val="25000"/>
+                  </a:schemeClr>
+                </a:solidFill>
+                <a:latin typeface="+mj-lt"/>
+                <a:ea typeface="Roboto" panose="02000000000000000000" pitchFamily="2" charset="0"/>
+              </a:rPr>
+              <a:t>PagingAndSortingRepository</a:t>
+            </a:r>
+            <a:endParaRPr lang="en-US" sz="2000" dirty="0" smtClean="0">
+              <a:solidFill>
+                <a:schemeClr val="tx1">
+                  <a:lumMod val="75000"/>
+                  <a:lumOff val="25000"/>
+                </a:schemeClr>
+              </a:solidFill>
+              <a:latin typeface="+mj-lt"/>
+              <a:ea typeface="Roboto" panose="02000000000000000000" pitchFamily="2" charset="0"/>
+            </a:endParaRPr>
+          </a:p>
+          <a:p>
+            <a:pPr lvl="1"/>
+            <a:r>
+              <a:rPr lang="en-US" sz="2000" dirty="0" smtClean="0">
+                <a:solidFill>
+                  <a:schemeClr val="tx1">
+                    <a:lumMod val="75000"/>
+                    <a:lumOff val="25000"/>
+                  </a:schemeClr>
+                </a:solidFill>
+                <a:latin typeface="+mj-lt"/>
+                <a:ea typeface="Roboto" panose="02000000000000000000" pitchFamily="2" charset="0"/>
+              </a:rPr>
+              <a:t>3.4   </a:t>
+            </a:r>
+            <a:r>
+              <a:rPr lang="en-US" sz="2000" dirty="0" err="1" smtClean="0">
+                <a:solidFill>
+                  <a:schemeClr val="tx1">
+                    <a:lumMod val="75000"/>
+                    <a:lumOff val="25000"/>
+                  </a:schemeClr>
+                </a:solidFill>
+                <a:latin typeface="+mj-lt"/>
+                <a:ea typeface="Roboto" panose="02000000000000000000" pitchFamily="2" charset="0"/>
+              </a:rPr>
+              <a:t>JPARepository</a:t>
+            </a:r>
+            <a:endParaRPr lang="en-US" sz="2000" dirty="0" smtClean="0">
+              <a:solidFill>
+                <a:schemeClr val="tx1">
+                  <a:lumMod val="75000"/>
+                  <a:lumOff val="25000"/>
+                </a:schemeClr>
+              </a:solidFill>
+              <a:latin typeface="+mj-lt"/>
+              <a:ea typeface="Roboto" panose="02000000000000000000" pitchFamily="2" charset="0"/>
+            </a:endParaRPr>
+          </a:p>
+          <a:p>
+            <a:pPr marL="457200" indent="-457200">
+              <a:buAutoNum type="arabicPeriod" startAt="4"/>
+            </a:pPr>
+            <a:r>
+              <a:rPr lang="en-US" sz="2400" b="1" dirty="0" smtClean="0">
+                <a:solidFill>
+                  <a:schemeClr val="tx1">
+                    <a:lumMod val="75000"/>
+                    <a:lumOff val="25000"/>
+                  </a:schemeClr>
+                </a:solidFill>
+                <a:latin typeface="+mj-lt"/>
+                <a:ea typeface="Roboto" panose="02000000000000000000" pitchFamily="2" charset="0"/>
+              </a:rPr>
+              <a:t>Demo Code</a:t>
+            </a:r>
+          </a:p>
+          <a:p>
+            <a:pPr marL="457200" indent="-457200">
+              <a:buAutoNum type="arabicPeriod" startAt="4"/>
+            </a:pPr>
+            <a:r>
+              <a:rPr lang="en-US" sz="2400" b="1" dirty="0" smtClean="0">
+                <a:solidFill>
+                  <a:schemeClr val="tx1">
+                    <a:lumMod val="75000"/>
+                    <a:lumOff val="25000"/>
+                  </a:schemeClr>
+                </a:solidFill>
+                <a:latin typeface="+mj-lt"/>
+                <a:ea typeface="Roboto" panose="02000000000000000000" pitchFamily="2" charset="0"/>
+              </a:rPr>
+              <a:t>Spring </a:t>
+            </a:r>
+            <a:r>
+              <a:rPr lang="en-US" sz="2400" b="1" dirty="0" err="1" smtClean="0">
+                <a:solidFill>
+                  <a:schemeClr val="tx1">
+                    <a:lumMod val="75000"/>
+                    <a:lumOff val="25000"/>
+                  </a:schemeClr>
+                </a:solidFill>
+                <a:latin typeface="+mj-lt"/>
+                <a:ea typeface="Roboto" panose="02000000000000000000" pitchFamily="2" charset="0"/>
+              </a:rPr>
+              <a:t>DataJPATest</a:t>
+            </a:r>
+            <a:endParaRPr lang="en-US" sz="2400" b="1" dirty="0" smtClean="0">
+              <a:solidFill>
+                <a:schemeClr val="tx1">
+                  <a:lumMod val="75000"/>
+                  <a:lumOff val="25000"/>
+                </a:schemeClr>
+              </a:solidFill>
+              <a:latin typeface="+mj-lt"/>
+              <a:ea typeface="Roboto" panose="02000000000000000000" pitchFamily="2" charset="0"/>
+            </a:endParaRPr>
           </a:p>
         </p:txBody>
       </p:sp>
@@ -19556,7 +23629,7 @@
     </p:spTree>
     <p:extLst>
       <p:ext uri="{BB962C8B-B14F-4D97-AF65-F5344CB8AC3E}">
-        <p14:creationId xmlns:p14="http://schemas.microsoft.com/office/powerpoint/2010/main" val="3554189215"/>
+        <p14:creationId xmlns:p14="http://schemas.microsoft.com/office/powerpoint/2010/main" val="407328328"/>
       </p:ext>
     </p:extLst>
   </p:cSld>
